--- a/cai/redo-2024/Slides/09-01-python4e.04.113016.pptx
+++ b/cai/redo-2024/Slides/09-01-python4e.04.113016.pptx
@@ -6,7 +6,7 @@
     <p:sldMasterId id="2147483709" r:id="rId2"/>
   </p:sldMasterIdLst>
   <p:notesMasterIdLst>
-    <p:notesMasterId r:id="rId15"/>
+    <p:notesMasterId r:id="rId16"/>
   </p:notesMasterIdLst>
   <p:sldIdLst>
     <p:sldId id="256" r:id="rId3"/>
@@ -20,7 +20,8 @@
     <p:sldId id="262" r:id="rId11"/>
     <p:sldId id="263" r:id="rId12"/>
     <p:sldId id="264" r:id="rId13"/>
-    <p:sldId id="265" r:id="rId14"/>
+    <p:sldId id="294" r:id="rId14"/>
+    <p:sldId id="265" r:id="rId15"/>
   </p:sldIdLst>
   <p:sldSz cx="16256000" cy="9144000"/>
   <p:notesSz cx="6858000" cy="9144000"/>
@@ -624,6 +625,112 @@
 </file>
 
 <file path=ppt/notesSlides/notesSlide10.xml><?xml version="1.0" encoding="utf-8"?>
+<p:notes xmlns:a="http://schemas.openxmlformats.org/drawingml/2006/main" xmlns:r="http://schemas.openxmlformats.org/officeDocument/2006/relationships" xmlns:p="http://schemas.openxmlformats.org/presentationml/2006/main" showMasterSp="0" showMasterPhAnim="0">
+  <p:cSld>
+    <p:spTree>
+      <p:nvGrpSpPr>
+        <p:cNvPr id="1" name="Shape 269"/>
+        <p:cNvGrpSpPr/>
+        <p:nvPr/>
+      </p:nvGrpSpPr>
+      <p:grpSpPr>
+        <a:xfrm>
+          <a:off x="0" y="0"/>
+          <a:ext cx="0" cy="0"/>
+          <a:chOff x="0" y="0"/>
+          <a:chExt cx="0" cy="0"/>
+        </a:xfrm>
+      </p:grpSpPr>
+      <p:sp>
+        <p:nvSpPr>
+          <p:cNvPr id="270" name="Shape 270"/>
+          <p:cNvSpPr txBox="1">
+            <a:spLocks noGrp="1"/>
+          </p:cNvSpPr>
+          <p:nvPr>
+            <p:ph type="body" idx="1"/>
+          </p:nvPr>
+        </p:nvSpPr>
+        <p:spPr>
+          <a:xfrm>
+            <a:off x="685800" y="4343400"/>
+            <a:ext cx="5486399" cy="4114800"/>
+          </a:xfrm>
+          <a:prstGeom prst="rect">
+            <a:avLst/>
+          </a:prstGeom>
+        </p:spPr>
+        <p:txBody>
+          <a:bodyPr lIns="91425" tIns="91425" rIns="91425" bIns="91425" anchor="ctr" anchorCtr="0">
+            <a:noAutofit/>
+          </a:bodyPr>
+          <a:lstStyle/>
+          <a:p>
+            <a:pPr lvl="0">
+              <a:spcBef>
+                <a:spcPts val="0"/>
+              </a:spcBef>
+              <a:buNone/>
+            </a:pPr>
+            <a:endParaRPr/>
+          </a:p>
+        </p:txBody>
+      </p:sp>
+      <p:sp>
+        <p:nvSpPr>
+          <p:cNvPr id="271" name="Shape 271"/>
+          <p:cNvSpPr>
+            <a:spLocks noGrp="1" noRot="1" noChangeAspect="1"/>
+          </p:cNvSpPr>
+          <p:nvPr>
+            <p:ph type="sldImg" idx="2"/>
+          </p:nvPr>
+        </p:nvSpPr>
+        <p:spPr>
+          <a:xfrm>
+            <a:off x="381000" y="685800"/>
+            <a:ext cx="6096000" cy="3429000"/>
+          </a:xfrm>
+          <a:custGeom>
+            <a:avLst/>
+            <a:gdLst/>
+            <a:ahLst/>
+            <a:cxnLst/>
+            <a:rect l="0" t="0" r="0" b="0"/>
+            <a:pathLst>
+              <a:path w="120000" h="120000" extrusionOk="0">
+                <a:moveTo>
+                  <a:pt x="0" y="0"/>
+                </a:moveTo>
+                <a:lnTo>
+                  <a:pt x="120000" y="0"/>
+                </a:lnTo>
+                <a:lnTo>
+                  <a:pt x="120000" y="120000"/>
+                </a:lnTo>
+                <a:lnTo>
+                  <a:pt x="0" y="120000"/>
+                </a:lnTo>
+                <a:close/>
+              </a:path>
+            </a:pathLst>
+          </a:custGeom>
+        </p:spPr>
+      </p:sp>
+    </p:spTree>
+    <p:extLst>
+      <p:ext uri="{BB962C8B-B14F-4D97-AF65-F5344CB8AC3E}">
+        <p14:creationId xmlns:p14="http://schemas.microsoft.com/office/powerpoint/2010/main" val="1455354341"/>
+      </p:ext>
+    </p:extLst>
+  </p:cSld>
+  <p:clrMapOvr>
+    <a:masterClrMapping/>
+  </p:clrMapOvr>
+</p:notes>
+</file>
+
+<file path=ppt/notesSlides/notesSlide11.xml><?xml version="1.0" encoding="utf-8"?>
 <p:notes xmlns:a="http://schemas.openxmlformats.org/drawingml/2006/main" xmlns:r="http://schemas.openxmlformats.org/officeDocument/2006/relationships" xmlns:p="http://schemas.openxmlformats.org/presentationml/2006/main" showMasterSp="0" showMasterPhAnim="0">
   <p:cSld>
     <p:spTree>
@@ -9917,6 +10024,2464 @@
 </file>
 
 <file path=ppt/slides/slide12.xml><?xml version="1.0" encoding="utf-8"?>
+<p:sld xmlns:a="http://schemas.openxmlformats.org/drawingml/2006/main" xmlns:r="http://schemas.openxmlformats.org/officeDocument/2006/relationships" xmlns:p="http://schemas.openxmlformats.org/presentationml/2006/main">
+  <p:cSld>
+    <p:spTree>
+      <p:nvGrpSpPr>
+        <p:cNvPr id="1" name="Shape 272"/>
+        <p:cNvGrpSpPr/>
+        <p:nvPr/>
+      </p:nvGrpSpPr>
+      <p:grpSpPr>
+        <a:xfrm>
+          <a:off x="0" y="0"/>
+          <a:ext cx="0" cy="0"/>
+          <a:chOff x="0" y="0"/>
+          <a:chExt cx="0" cy="0"/>
+        </a:xfrm>
+      </p:grpSpPr>
+      <p:sp>
+        <p:nvSpPr>
+          <p:cNvPr id="273" name="Shape 273"/>
+          <p:cNvSpPr txBox="1"/>
+          <p:nvPr/>
+        </p:nvSpPr>
+        <p:spPr>
+          <a:xfrm>
+            <a:off x="2111375" y="865025"/>
+            <a:ext cx="5690999" cy="3592576"/>
+          </a:xfrm>
+          <a:prstGeom prst="rect">
+            <a:avLst/>
+          </a:prstGeom>
+          <a:noFill/>
+          <a:ln>
+            <a:noFill/>
+          </a:ln>
+        </p:spPr>
+        <p:txBody>
+          <a:bodyPr lIns="0" tIns="0" rIns="0" bIns="0" anchor="ctr" anchorCtr="0">
+            <a:noAutofit/>
+          </a:bodyPr>
+          <a:lstStyle/>
+          <a:p>
+            <a:pPr marL="0" marR="0" lvl="0" indent="0" algn="l" rtl="0">
+              <a:lnSpc>
+                <a:spcPct val="100000"/>
+              </a:lnSpc>
+              <a:spcBef>
+                <a:spcPts val="0"/>
+              </a:spcBef>
+              <a:spcAft>
+                <a:spcPts val="0"/>
+              </a:spcAft>
+              <a:buClr>
+                <a:srgbClr val="00FF00"/>
+              </a:buClr>
+              <a:buSzPct val="25000"/>
+              <a:buFont typeface="Cabin"/>
+              <a:buNone/>
+            </a:pPr>
+            <a:r>
+              <a:rPr lang="en-US" sz="2800" b="1" i="0" u="none" strike="noStrike" cap="none" dirty="0">
+                <a:solidFill>
+                  <a:srgbClr val="00FF00"/>
+                </a:solidFill>
+                <a:latin typeface="Courier New"/>
+                <a:ea typeface="Courier New"/>
+                <a:cs typeface="Courier New"/>
+                <a:sym typeface="Courier New"/>
+              </a:rPr>
+              <a:t>&gt;&gt;&gt; </a:t>
+            </a:r>
+            <a:r>
+              <a:rPr lang="en-US" sz="2800" b="1" i="0" u="none" strike="noStrike" cap="none" dirty="0" err="1">
+                <a:solidFill>
+                  <a:srgbClr val="00FF00"/>
+                </a:solidFill>
+                <a:latin typeface="Courier New"/>
+                <a:ea typeface="Courier New"/>
+                <a:cs typeface="Courier New"/>
+                <a:sym typeface="Courier New"/>
+              </a:rPr>
+              <a:t>lst</a:t>
+            </a:r>
+            <a:r>
+              <a:rPr lang="en-US" sz="2800" b="1" i="0" u="none" strike="noStrike" cap="none" dirty="0">
+                <a:solidFill>
+                  <a:srgbClr val="00FF00"/>
+                </a:solidFill>
+                <a:latin typeface="Courier New"/>
+                <a:ea typeface="Courier New"/>
+                <a:cs typeface="Courier New"/>
+                <a:sym typeface="Courier New"/>
+              </a:rPr>
+              <a:t> =</a:t>
+            </a:r>
+            <a:r>
+              <a:rPr lang="en-US" sz="2800" b="1" i="0" u="none" strike="noStrike" cap="none" dirty="0">
+                <a:solidFill>
+                  <a:srgbClr val="0000FF"/>
+                </a:solidFill>
+                <a:latin typeface="Courier New"/>
+                <a:ea typeface="Courier New"/>
+                <a:cs typeface="Courier New"/>
+                <a:sym typeface="Courier New"/>
+              </a:rPr>
+              <a:t> </a:t>
+            </a:r>
+            <a:r>
+              <a:rPr lang="en-US" sz="2800" b="1" i="0" u="none" strike="noStrike" cap="none" dirty="0">
+                <a:solidFill>
+                  <a:srgbClr val="00FFFF"/>
+                </a:solidFill>
+                <a:latin typeface="Courier New"/>
+                <a:ea typeface="Courier New"/>
+                <a:cs typeface="Courier New"/>
+                <a:sym typeface="Courier New"/>
+              </a:rPr>
+              <a:t>list()</a:t>
+            </a:r>
+          </a:p>
+          <a:p>
+            <a:pPr marL="0" marR="0" lvl="0" indent="0" algn="l" rtl="0">
+              <a:lnSpc>
+                <a:spcPct val="100000"/>
+              </a:lnSpc>
+              <a:spcBef>
+                <a:spcPts val="0"/>
+              </a:spcBef>
+              <a:spcAft>
+                <a:spcPts val="0"/>
+              </a:spcAft>
+              <a:buClr>
+                <a:srgbClr val="00FF00"/>
+              </a:buClr>
+              <a:buSzPct val="25000"/>
+              <a:buFont typeface="Cabin"/>
+              <a:buNone/>
+            </a:pPr>
+            <a:r>
+              <a:rPr lang="en-US" sz="2800" b="1" i="0" u="none" strike="noStrike" cap="none" dirty="0">
+                <a:solidFill>
+                  <a:srgbClr val="00FF00"/>
+                </a:solidFill>
+                <a:latin typeface="Courier New"/>
+                <a:ea typeface="Courier New"/>
+                <a:cs typeface="Courier New"/>
+                <a:sym typeface="Courier New"/>
+              </a:rPr>
+              <a:t>&gt;&gt;&gt; </a:t>
+            </a:r>
+            <a:r>
+              <a:rPr lang="en-US" sz="2800" b="1" i="0" u="none" strike="noStrike" cap="none" dirty="0" err="1">
+                <a:solidFill>
+                  <a:srgbClr val="00FF00"/>
+                </a:solidFill>
+                <a:latin typeface="Courier New"/>
+                <a:ea typeface="Courier New"/>
+                <a:cs typeface="Courier New"/>
+                <a:sym typeface="Courier New"/>
+              </a:rPr>
+              <a:t>lst.append</a:t>
+            </a:r>
+            <a:r>
+              <a:rPr lang="en-US" sz="2800" b="1" i="0" u="none" strike="noStrike" cap="none" dirty="0">
+                <a:solidFill>
+                  <a:srgbClr val="00FF00"/>
+                </a:solidFill>
+                <a:latin typeface="Courier New"/>
+                <a:ea typeface="Courier New"/>
+                <a:cs typeface="Courier New"/>
+                <a:sym typeface="Courier New"/>
+              </a:rPr>
+              <a:t>(</a:t>
+            </a:r>
+            <a:r>
+              <a:rPr lang="en-US" sz="2800" b="1" i="0" u="none" strike="noStrike" cap="none" dirty="0">
+                <a:solidFill>
+                  <a:srgbClr val="FFFF00"/>
+                </a:solidFill>
+                <a:latin typeface="Courier New"/>
+                <a:ea typeface="Courier New"/>
+                <a:cs typeface="Courier New"/>
+                <a:sym typeface="Courier New"/>
+              </a:rPr>
+              <a:t>21</a:t>
+            </a:r>
+            <a:r>
+              <a:rPr lang="en-US" sz="2800" b="1" i="0" u="none" strike="noStrike" cap="none" dirty="0">
+                <a:solidFill>
+                  <a:srgbClr val="00FF00"/>
+                </a:solidFill>
+                <a:latin typeface="Courier New"/>
+                <a:ea typeface="Courier New"/>
+                <a:cs typeface="Courier New"/>
+                <a:sym typeface="Courier New"/>
+              </a:rPr>
+              <a:t>)</a:t>
+            </a:r>
+          </a:p>
+          <a:p>
+            <a:pPr marL="0" marR="0" lvl="0" indent="0" algn="l" rtl="0">
+              <a:lnSpc>
+                <a:spcPct val="100000"/>
+              </a:lnSpc>
+              <a:spcBef>
+                <a:spcPts val="0"/>
+              </a:spcBef>
+              <a:spcAft>
+                <a:spcPts val="0"/>
+              </a:spcAft>
+              <a:buClr>
+                <a:srgbClr val="00FF00"/>
+              </a:buClr>
+              <a:buSzPct val="25000"/>
+              <a:buFont typeface="Cabin"/>
+              <a:buNone/>
+            </a:pPr>
+            <a:r>
+              <a:rPr lang="en-US" sz="2800" b="1" i="0" u="none" strike="noStrike" cap="none" dirty="0">
+                <a:solidFill>
+                  <a:srgbClr val="00FF00"/>
+                </a:solidFill>
+                <a:latin typeface="Courier New"/>
+                <a:ea typeface="Courier New"/>
+                <a:cs typeface="Courier New"/>
+                <a:sym typeface="Courier New"/>
+              </a:rPr>
+              <a:t>&gt;&gt;&gt; </a:t>
+            </a:r>
+            <a:r>
+              <a:rPr lang="en-US" sz="2800" b="1" i="0" u="none" strike="noStrike" cap="none" dirty="0" err="1">
+                <a:solidFill>
+                  <a:srgbClr val="00FF00"/>
+                </a:solidFill>
+                <a:latin typeface="Courier New"/>
+                <a:ea typeface="Courier New"/>
+                <a:cs typeface="Courier New"/>
+                <a:sym typeface="Courier New"/>
+              </a:rPr>
+              <a:t>lst.append</a:t>
+            </a:r>
+            <a:r>
+              <a:rPr lang="en-US" sz="2800" b="1" i="0" u="none" strike="noStrike" cap="none" dirty="0">
+                <a:solidFill>
+                  <a:srgbClr val="00FF00"/>
+                </a:solidFill>
+                <a:latin typeface="Courier New"/>
+                <a:ea typeface="Courier New"/>
+                <a:cs typeface="Courier New"/>
+                <a:sym typeface="Courier New"/>
+              </a:rPr>
+              <a:t>(</a:t>
+            </a:r>
+            <a:r>
+              <a:rPr lang="en-US" sz="2800" b="1" i="0" u="none" strike="noStrike" cap="none" dirty="0">
+                <a:solidFill>
+                  <a:srgbClr val="FFFF00"/>
+                </a:solidFill>
+                <a:latin typeface="Courier New"/>
+                <a:ea typeface="Courier New"/>
+                <a:cs typeface="Courier New"/>
+                <a:sym typeface="Courier New"/>
+              </a:rPr>
+              <a:t>183</a:t>
+            </a:r>
+            <a:r>
+              <a:rPr lang="en-US" sz="2800" b="1" i="0" u="none" strike="noStrike" cap="none" dirty="0">
+                <a:solidFill>
+                  <a:srgbClr val="00FF00"/>
+                </a:solidFill>
+                <a:latin typeface="Courier New"/>
+                <a:ea typeface="Courier New"/>
+                <a:cs typeface="Courier New"/>
+                <a:sym typeface="Courier New"/>
+              </a:rPr>
+              <a:t>)</a:t>
+            </a:r>
+          </a:p>
+          <a:p>
+            <a:pPr lvl="0">
+              <a:buClr>
+                <a:srgbClr val="00FF00"/>
+              </a:buClr>
+              <a:buSzPct val="25000"/>
+            </a:pPr>
+            <a:r>
+              <a:rPr lang="en-US" sz="2800" b="1" i="0" u="none" strike="noStrike" cap="none" dirty="0">
+                <a:solidFill>
+                  <a:srgbClr val="00FF00"/>
+                </a:solidFill>
+                <a:latin typeface="Courier New"/>
+                <a:ea typeface="Courier New"/>
+                <a:cs typeface="Courier New"/>
+                <a:sym typeface="Courier New"/>
+              </a:rPr>
+              <a:t>&gt;&gt;&gt; </a:t>
+            </a:r>
+            <a:r>
+              <a:rPr lang="en-US" sz="2800" b="1" i="0" u="none" strike="noStrike" cap="none" dirty="0">
+                <a:solidFill>
+                  <a:srgbClr val="FFFF00"/>
+                </a:solidFill>
+                <a:latin typeface="Courier New"/>
+                <a:ea typeface="Courier New"/>
+                <a:cs typeface="Courier New"/>
+                <a:sym typeface="Courier New"/>
+              </a:rPr>
+              <a:t>print(</a:t>
+            </a:r>
+            <a:r>
+              <a:rPr lang="en-US" sz="2800" b="1" i="0" u="none" strike="noStrike" cap="none" dirty="0" err="1">
+                <a:solidFill>
+                  <a:srgbClr val="00FF00"/>
+                </a:solidFill>
+                <a:latin typeface="Courier New"/>
+                <a:ea typeface="Courier New"/>
+                <a:cs typeface="Courier New"/>
+                <a:sym typeface="Courier New"/>
+              </a:rPr>
+              <a:t>lst</a:t>
+            </a:r>
+            <a:r>
+              <a:rPr lang="en-US" sz="2800" b="1" dirty="0">
+                <a:solidFill>
+                  <a:srgbClr val="FFFF00"/>
+                </a:solidFill>
+                <a:latin typeface="Courier New"/>
+                <a:ea typeface="Courier New"/>
+                <a:cs typeface="Courier New"/>
+                <a:sym typeface="Courier New"/>
+              </a:rPr>
+              <a:t>)</a:t>
+            </a:r>
+            <a:endParaRPr lang="en-US" sz="2800" b="1" i="0" u="none" strike="noStrike" cap="none" dirty="0">
+              <a:solidFill>
+                <a:srgbClr val="00FF00"/>
+              </a:solidFill>
+              <a:latin typeface="Courier New"/>
+              <a:ea typeface="Courier New"/>
+              <a:cs typeface="Courier New"/>
+              <a:sym typeface="Courier New"/>
+            </a:endParaRPr>
+          </a:p>
+          <a:p>
+            <a:pPr marL="0" marR="0" lvl="0" indent="0" algn="l" rtl="0">
+              <a:lnSpc>
+                <a:spcPct val="100000"/>
+              </a:lnSpc>
+              <a:spcBef>
+                <a:spcPts val="0"/>
+              </a:spcBef>
+              <a:spcAft>
+                <a:spcPts val="0"/>
+              </a:spcAft>
+              <a:buClr>
+                <a:srgbClr val="00FF00"/>
+              </a:buClr>
+              <a:buSzPct val="25000"/>
+              <a:buFont typeface="Cabin"/>
+              <a:buNone/>
+            </a:pPr>
+            <a:r>
+              <a:rPr lang="en-US" sz="2800" b="1" i="0" u="none" strike="noStrike" cap="none" dirty="0">
+                <a:solidFill>
+                  <a:srgbClr val="00FF00"/>
+                </a:solidFill>
+                <a:latin typeface="Courier New"/>
+                <a:ea typeface="Courier New"/>
+                <a:cs typeface="Courier New"/>
+                <a:sym typeface="Courier New"/>
+              </a:rPr>
+              <a:t>[</a:t>
+            </a:r>
+            <a:r>
+              <a:rPr lang="en-US" sz="2800" b="1" i="0" u="none" strike="noStrike" cap="none" dirty="0">
+                <a:solidFill>
+                  <a:srgbClr val="FFFF00"/>
+                </a:solidFill>
+                <a:latin typeface="Courier New"/>
+                <a:ea typeface="Courier New"/>
+                <a:cs typeface="Courier New"/>
+                <a:sym typeface="Courier New"/>
+              </a:rPr>
+              <a:t>21, 183</a:t>
+            </a:r>
+            <a:r>
+              <a:rPr lang="en-US" sz="2800" b="1" i="0" u="none" strike="noStrike" cap="none" dirty="0">
+                <a:solidFill>
+                  <a:srgbClr val="00FF00"/>
+                </a:solidFill>
+                <a:latin typeface="Courier New"/>
+                <a:ea typeface="Courier New"/>
+                <a:cs typeface="Courier New"/>
+                <a:sym typeface="Courier New"/>
+              </a:rPr>
+              <a:t>]</a:t>
+            </a:r>
+          </a:p>
+          <a:p>
+            <a:pPr marL="0" marR="0" lvl="0" indent="0" algn="l" rtl="0">
+              <a:lnSpc>
+                <a:spcPct val="100000"/>
+              </a:lnSpc>
+              <a:spcBef>
+                <a:spcPts val="0"/>
+              </a:spcBef>
+              <a:spcAft>
+                <a:spcPts val="0"/>
+              </a:spcAft>
+              <a:buClr>
+                <a:srgbClr val="00FF00"/>
+              </a:buClr>
+              <a:buSzPct val="25000"/>
+              <a:buFont typeface="Cabin"/>
+              <a:buNone/>
+            </a:pPr>
+            <a:r>
+              <a:rPr lang="en-US" sz="2800" b="1" i="0" u="none" strike="noStrike" cap="none" dirty="0">
+                <a:solidFill>
+                  <a:srgbClr val="00FF00"/>
+                </a:solidFill>
+                <a:latin typeface="Courier New"/>
+                <a:ea typeface="Courier New"/>
+                <a:cs typeface="Courier New"/>
+                <a:sym typeface="Courier New"/>
+              </a:rPr>
+              <a:t>&gt;&gt;&gt; </a:t>
+            </a:r>
+            <a:r>
+              <a:rPr lang="en-US" sz="2800" b="1" i="0" u="none" strike="noStrike" cap="none" dirty="0" err="1">
+                <a:solidFill>
+                  <a:srgbClr val="00FF00"/>
+                </a:solidFill>
+                <a:latin typeface="Courier New"/>
+                <a:ea typeface="Courier New"/>
+                <a:cs typeface="Courier New"/>
+                <a:sym typeface="Courier New"/>
+              </a:rPr>
+              <a:t>lst</a:t>
+            </a:r>
+            <a:r>
+              <a:rPr lang="en-US" sz="2800" b="1" i="0" u="none" strike="noStrike" cap="none" dirty="0">
+                <a:solidFill>
+                  <a:srgbClr val="FF7F00"/>
+                </a:solidFill>
+                <a:latin typeface="Courier New"/>
+                <a:ea typeface="Courier New"/>
+                <a:cs typeface="Courier New"/>
+                <a:sym typeface="Courier New"/>
+              </a:rPr>
+              <a:t>[0]</a:t>
+            </a:r>
+            <a:r>
+              <a:rPr lang="en-US" sz="2800" b="1" i="0" u="none" strike="noStrike" cap="none" dirty="0">
+                <a:solidFill>
+                  <a:srgbClr val="00FF00"/>
+                </a:solidFill>
+                <a:latin typeface="Courier New"/>
+                <a:ea typeface="Courier New"/>
+                <a:cs typeface="Courier New"/>
+                <a:sym typeface="Courier New"/>
+              </a:rPr>
+              <a:t> = </a:t>
+            </a:r>
+            <a:r>
+              <a:rPr lang="en-US" sz="2800" b="1" i="0" u="none" strike="noStrike" cap="none" dirty="0">
+                <a:solidFill>
+                  <a:srgbClr val="FFFF00"/>
+                </a:solidFill>
+                <a:latin typeface="Courier New"/>
+                <a:ea typeface="Courier New"/>
+                <a:cs typeface="Courier New"/>
+                <a:sym typeface="Courier New"/>
+              </a:rPr>
+              <a:t>23</a:t>
+            </a:r>
+          </a:p>
+          <a:p>
+            <a:pPr lvl="0">
+              <a:buClr>
+                <a:srgbClr val="00FF00"/>
+              </a:buClr>
+              <a:buSzPct val="25000"/>
+            </a:pPr>
+            <a:r>
+              <a:rPr lang="en-US" sz="2800" b="1" i="0" u="none" strike="noStrike" cap="none" dirty="0">
+                <a:solidFill>
+                  <a:srgbClr val="00FF00"/>
+                </a:solidFill>
+                <a:latin typeface="Courier New"/>
+                <a:ea typeface="Courier New"/>
+                <a:cs typeface="Courier New"/>
+                <a:sym typeface="Courier New"/>
+              </a:rPr>
+              <a:t>&gt;&gt;&gt; </a:t>
+            </a:r>
+            <a:r>
+              <a:rPr lang="en-US" sz="2800" b="1" i="0" u="none" strike="noStrike" cap="none" dirty="0">
+                <a:solidFill>
+                  <a:srgbClr val="FFFF00"/>
+                </a:solidFill>
+                <a:latin typeface="Courier New"/>
+                <a:ea typeface="Courier New"/>
+                <a:cs typeface="Courier New"/>
+                <a:sym typeface="Courier New"/>
+              </a:rPr>
+              <a:t>print(</a:t>
+            </a:r>
+            <a:r>
+              <a:rPr lang="en-US" sz="2800" b="1" i="0" u="none" strike="noStrike" cap="none" dirty="0" err="1">
+                <a:solidFill>
+                  <a:srgbClr val="00FF00"/>
+                </a:solidFill>
+                <a:latin typeface="Courier New"/>
+                <a:ea typeface="Courier New"/>
+                <a:cs typeface="Courier New"/>
+                <a:sym typeface="Courier New"/>
+              </a:rPr>
+              <a:t>lst</a:t>
+            </a:r>
+            <a:r>
+              <a:rPr lang="en-US" sz="2800" b="1" dirty="0">
+                <a:solidFill>
+                  <a:srgbClr val="FFFF00"/>
+                </a:solidFill>
+                <a:latin typeface="Courier New"/>
+                <a:ea typeface="Courier New"/>
+                <a:cs typeface="Courier New"/>
+                <a:sym typeface="Courier New"/>
+              </a:rPr>
+              <a:t>)</a:t>
+            </a:r>
+            <a:endParaRPr lang="en-US" sz="2800" b="1" i="0" u="none" strike="noStrike" cap="none" dirty="0">
+              <a:solidFill>
+                <a:srgbClr val="00FF00"/>
+              </a:solidFill>
+              <a:latin typeface="Courier New"/>
+              <a:ea typeface="Courier New"/>
+              <a:cs typeface="Courier New"/>
+              <a:sym typeface="Courier New"/>
+            </a:endParaRPr>
+          </a:p>
+          <a:p>
+            <a:pPr marL="0" marR="0" lvl="0" indent="0" algn="l" rtl="0">
+              <a:lnSpc>
+                <a:spcPct val="100000"/>
+              </a:lnSpc>
+              <a:spcBef>
+                <a:spcPts val="0"/>
+              </a:spcBef>
+              <a:spcAft>
+                <a:spcPts val="0"/>
+              </a:spcAft>
+              <a:buClr>
+                <a:srgbClr val="00FF00"/>
+              </a:buClr>
+              <a:buSzPct val="25000"/>
+              <a:buFont typeface="Cabin"/>
+              <a:buNone/>
+            </a:pPr>
+            <a:r>
+              <a:rPr lang="en-US" sz="2800" b="1" i="0" u="none" strike="noStrike" cap="none" dirty="0">
+                <a:solidFill>
+                  <a:srgbClr val="00FF00"/>
+                </a:solidFill>
+                <a:latin typeface="Courier New"/>
+                <a:ea typeface="Courier New"/>
+                <a:cs typeface="Courier New"/>
+                <a:sym typeface="Courier New"/>
+              </a:rPr>
+              <a:t>[</a:t>
+            </a:r>
+            <a:r>
+              <a:rPr lang="en-US" sz="2800" b="1" i="0" u="none" strike="noStrike" cap="none" dirty="0">
+                <a:solidFill>
+                  <a:srgbClr val="FFFF00"/>
+                </a:solidFill>
+                <a:latin typeface="Courier New"/>
+                <a:ea typeface="Courier New"/>
+                <a:cs typeface="Courier New"/>
+                <a:sym typeface="Courier New"/>
+              </a:rPr>
+              <a:t>23, 183</a:t>
+            </a:r>
+            <a:r>
+              <a:rPr lang="en-US" sz="2800" b="1" i="0" u="none" strike="noStrike" cap="none" dirty="0">
+                <a:solidFill>
+                  <a:srgbClr val="00FF00"/>
+                </a:solidFill>
+                <a:latin typeface="Courier New"/>
+                <a:ea typeface="Courier New"/>
+                <a:cs typeface="Courier New"/>
+                <a:sym typeface="Courier New"/>
+              </a:rPr>
+              <a:t>]</a:t>
+            </a:r>
+          </a:p>
+        </p:txBody>
+      </p:sp>
+      <p:sp>
+        <p:nvSpPr>
+          <p:cNvPr id="274" name="Shape 274"/>
+          <p:cNvSpPr txBox="1"/>
+          <p:nvPr/>
+        </p:nvSpPr>
+        <p:spPr>
+          <a:xfrm>
+            <a:off x="2111375" y="4605125"/>
+            <a:ext cx="6215699" cy="3940200"/>
+          </a:xfrm>
+          <a:prstGeom prst="rect">
+            <a:avLst/>
+          </a:prstGeom>
+          <a:noFill/>
+          <a:ln>
+            <a:noFill/>
+          </a:ln>
+        </p:spPr>
+        <p:txBody>
+          <a:bodyPr lIns="0" tIns="0" rIns="0" bIns="0" anchor="ctr" anchorCtr="0">
+            <a:noAutofit/>
+          </a:bodyPr>
+          <a:lstStyle/>
+          <a:p>
+            <a:pPr marL="0" marR="0" lvl="0" indent="0" algn="l" rtl="0">
+              <a:lnSpc>
+                <a:spcPct val="100000"/>
+              </a:lnSpc>
+              <a:spcBef>
+                <a:spcPts val="0"/>
+              </a:spcBef>
+              <a:spcAft>
+                <a:spcPts val="0"/>
+              </a:spcAft>
+              <a:buClr>
+                <a:srgbClr val="FF00FF"/>
+              </a:buClr>
+              <a:buSzPct val="25000"/>
+              <a:buFont typeface="Cabin"/>
+              <a:buNone/>
+            </a:pPr>
+            <a:r>
+              <a:rPr lang="en-US" sz="2800" b="1" i="0" u="none" strike="noStrike" cap="none" dirty="0">
+                <a:solidFill>
+                  <a:srgbClr val="FF00FF"/>
+                </a:solidFill>
+                <a:latin typeface="Courier New"/>
+                <a:ea typeface="Courier New"/>
+                <a:cs typeface="Courier New"/>
+                <a:sym typeface="Courier New"/>
+              </a:rPr>
+              <a:t>&gt;&gt;&gt; </a:t>
+            </a:r>
+            <a:r>
+              <a:rPr lang="en-US" sz="2800" b="1" i="0" u="none" strike="noStrike" cap="none" dirty="0" err="1">
+                <a:solidFill>
+                  <a:srgbClr val="FF00FF"/>
+                </a:solidFill>
+                <a:latin typeface="Courier New"/>
+                <a:ea typeface="Courier New"/>
+                <a:cs typeface="Courier New"/>
+                <a:sym typeface="Courier New"/>
+              </a:rPr>
+              <a:t>ddd</a:t>
+            </a:r>
+            <a:r>
+              <a:rPr lang="en-US" sz="2800" b="1" i="0" u="none" strike="noStrike" cap="none" dirty="0">
+                <a:solidFill>
+                  <a:srgbClr val="FF00FF"/>
+                </a:solidFill>
+                <a:latin typeface="Courier New"/>
+                <a:ea typeface="Courier New"/>
+                <a:cs typeface="Courier New"/>
+                <a:sym typeface="Courier New"/>
+              </a:rPr>
+              <a:t> = </a:t>
+            </a:r>
+            <a:r>
+              <a:rPr lang="en-US" sz="2800" b="1" i="0" u="none" strike="noStrike" cap="none" dirty="0" err="1">
+                <a:solidFill>
+                  <a:srgbClr val="00FFFF"/>
+                </a:solidFill>
+                <a:latin typeface="Courier New"/>
+                <a:ea typeface="Courier New"/>
+                <a:cs typeface="Courier New"/>
+                <a:sym typeface="Courier New"/>
+              </a:rPr>
+              <a:t>dict</a:t>
+            </a:r>
+            <a:r>
+              <a:rPr lang="en-US" sz="2800" b="1" i="0" u="none" strike="noStrike" cap="none" dirty="0">
+                <a:solidFill>
+                  <a:srgbClr val="00FFFF"/>
+                </a:solidFill>
+                <a:latin typeface="Courier New"/>
+                <a:ea typeface="Courier New"/>
+                <a:cs typeface="Courier New"/>
+                <a:sym typeface="Courier New"/>
+              </a:rPr>
+              <a:t>()</a:t>
+            </a:r>
+          </a:p>
+          <a:p>
+            <a:pPr marL="0" marR="0" lvl="0" indent="0" algn="l" rtl="0">
+              <a:lnSpc>
+                <a:spcPct val="100000"/>
+              </a:lnSpc>
+              <a:spcBef>
+                <a:spcPts val="0"/>
+              </a:spcBef>
+              <a:spcAft>
+                <a:spcPts val="0"/>
+              </a:spcAft>
+              <a:buClr>
+                <a:srgbClr val="FF00FF"/>
+              </a:buClr>
+              <a:buSzPct val="25000"/>
+              <a:buFont typeface="Cabin"/>
+              <a:buNone/>
+            </a:pPr>
+            <a:r>
+              <a:rPr lang="en-US" sz="2800" b="1" i="0" u="none" strike="noStrike" cap="none" dirty="0">
+                <a:solidFill>
+                  <a:srgbClr val="FF00FF"/>
+                </a:solidFill>
+                <a:latin typeface="Courier New"/>
+                <a:ea typeface="Courier New"/>
+                <a:cs typeface="Courier New"/>
+                <a:sym typeface="Courier New"/>
+              </a:rPr>
+              <a:t>&gt;&gt;&gt; </a:t>
+            </a:r>
+            <a:r>
+              <a:rPr lang="en-US" sz="2800" b="1" i="0" u="none" strike="noStrike" cap="none" dirty="0" err="1">
+                <a:solidFill>
+                  <a:srgbClr val="FF00FF"/>
+                </a:solidFill>
+                <a:latin typeface="Courier New"/>
+                <a:ea typeface="Courier New"/>
+                <a:cs typeface="Courier New"/>
+                <a:sym typeface="Courier New"/>
+              </a:rPr>
+              <a:t>ddd</a:t>
+            </a:r>
+            <a:r>
+              <a:rPr lang="en-US" sz="2800" b="1" i="0" u="none" strike="noStrike" cap="none" dirty="0">
+                <a:solidFill>
+                  <a:srgbClr val="FF00FF"/>
+                </a:solidFill>
+                <a:latin typeface="Courier New"/>
+                <a:ea typeface="Courier New"/>
+                <a:cs typeface="Courier New"/>
+                <a:sym typeface="Courier New"/>
+              </a:rPr>
+              <a:t>[</a:t>
+            </a:r>
+            <a:r>
+              <a:rPr lang="en-US" sz="2800" b="1" i="0" u="none" strike="noStrike" cap="none" dirty="0">
+                <a:solidFill>
+                  <a:srgbClr val="FF7F00"/>
+                </a:solidFill>
+                <a:latin typeface="Courier New"/>
+                <a:ea typeface="Courier New"/>
+                <a:cs typeface="Courier New"/>
+                <a:sym typeface="Courier New"/>
+              </a:rPr>
+              <a:t>'age'</a:t>
+            </a:r>
+            <a:r>
+              <a:rPr lang="en-US" sz="2800" b="1" i="0" u="none" strike="noStrike" cap="none" dirty="0">
+                <a:solidFill>
+                  <a:srgbClr val="FF00FF"/>
+                </a:solidFill>
+                <a:latin typeface="Courier New"/>
+                <a:ea typeface="Courier New"/>
+                <a:cs typeface="Courier New"/>
+                <a:sym typeface="Courier New"/>
+              </a:rPr>
+              <a:t>] = </a:t>
+            </a:r>
+            <a:r>
+              <a:rPr lang="en-US" sz="2800" b="1" i="0" u="none" strike="noStrike" cap="none" dirty="0">
+                <a:solidFill>
+                  <a:srgbClr val="FFFF00"/>
+                </a:solidFill>
+                <a:latin typeface="Courier New"/>
+                <a:ea typeface="Courier New"/>
+                <a:cs typeface="Courier New"/>
+                <a:sym typeface="Courier New"/>
+              </a:rPr>
+              <a:t>21</a:t>
+            </a:r>
+          </a:p>
+          <a:p>
+            <a:pPr marL="0" marR="0" lvl="0" indent="0" algn="l" rtl="0">
+              <a:lnSpc>
+                <a:spcPct val="100000"/>
+              </a:lnSpc>
+              <a:spcBef>
+                <a:spcPts val="0"/>
+              </a:spcBef>
+              <a:spcAft>
+                <a:spcPts val="0"/>
+              </a:spcAft>
+              <a:buClr>
+                <a:srgbClr val="FF00FF"/>
+              </a:buClr>
+              <a:buSzPct val="25000"/>
+              <a:buFont typeface="Cabin"/>
+              <a:buNone/>
+            </a:pPr>
+            <a:r>
+              <a:rPr lang="en-US" sz="2800" b="1" i="0" u="none" strike="noStrike" cap="none" dirty="0">
+                <a:solidFill>
+                  <a:srgbClr val="FF00FF"/>
+                </a:solidFill>
+                <a:latin typeface="Courier New"/>
+                <a:ea typeface="Courier New"/>
+                <a:cs typeface="Courier New"/>
+                <a:sym typeface="Courier New"/>
+              </a:rPr>
+              <a:t>&gt;&gt;&gt; </a:t>
+            </a:r>
+            <a:r>
+              <a:rPr lang="en-US" sz="2800" b="1" i="0" u="none" strike="noStrike" cap="none" dirty="0" err="1">
+                <a:solidFill>
+                  <a:srgbClr val="FF00FF"/>
+                </a:solidFill>
+                <a:latin typeface="Courier New"/>
+                <a:ea typeface="Courier New"/>
+                <a:cs typeface="Courier New"/>
+                <a:sym typeface="Courier New"/>
+              </a:rPr>
+              <a:t>ddd</a:t>
+            </a:r>
+            <a:r>
+              <a:rPr lang="en-US" sz="2800" b="1" i="0" u="none" strike="noStrike" cap="none" dirty="0">
+                <a:solidFill>
+                  <a:srgbClr val="FF00FF"/>
+                </a:solidFill>
+                <a:latin typeface="Courier New"/>
+                <a:ea typeface="Courier New"/>
+                <a:cs typeface="Courier New"/>
+                <a:sym typeface="Courier New"/>
+              </a:rPr>
+              <a:t>[</a:t>
+            </a:r>
+            <a:r>
+              <a:rPr lang="en-US" sz="2800" b="1" i="0" u="none" strike="noStrike" cap="none" dirty="0">
+                <a:solidFill>
+                  <a:srgbClr val="FF7F00"/>
+                </a:solidFill>
+                <a:latin typeface="Courier New"/>
+                <a:ea typeface="Courier New"/>
+                <a:cs typeface="Courier New"/>
+                <a:sym typeface="Courier New"/>
+              </a:rPr>
+              <a:t>'course'</a:t>
+            </a:r>
+            <a:r>
+              <a:rPr lang="en-US" sz="2800" b="1" i="0" u="none" strike="noStrike" cap="none" dirty="0">
+                <a:solidFill>
+                  <a:srgbClr val="FF00FF"/>
+                </a:solidFill>
+                <a:latin typeface="Courier New"/>
+                <a:ea typeface="Courier New"/>
+                <a:cs typeface="Courier New"/>
+                <a:sym typeface="Courier New"/>
+              </a:rPr>
+              <a:t>] = </a:t>
+            </a:r>
+            <a:r>
+              <a:rPr lang="en-US" sz="2800" b="1" i="0" u="none" strike="noStrike" cap="none" dirty="0">
+                <a:solidFill>
+                  <a:srgbClr val="FFFF00"/>
+                </a:solidFill>
+                <a:latin typeface="Courier New"/>
+                <a:ea typeface="Courier New"/>
+                <a:cs typeface="Courier New"/>
+                <a:sym typeface="Courier New"/>
+              </a:rPr>
+              <a:t>182</a:t>
+            </a:r>
+          </a:p>
+          <a:p>
+            <a:pPr lvl="0">
+              <a:buClr>
+                <a:srgbClr val="FF00FF"/>
+              </a:buClr>
+              <a:buSzPct val="25000"/>
+            </a:pPr>
+            <a:r>
+              <a:rPr lang="en-US" sz="2800" b="1" i="0" u="none" strike="noStrike" cap="none" dirty="0">
+                <a:solidFill>
+                  <a:srgbClr val="FF00FF"/>
+                </a:solidFill>
+                <a:latin typeface="Courier New"/>
+                <a:ea typeface="Courier New"/>
+                <a:cs typeface="Courier New"/>
+                <a:sym typeface="Courier New"/>
+              </a:rPr>
+              <a:t>&gt;&gt;&gt; </a:t>
+            </a:r>
+            <a:r>
+              <a:rPr lang="en-US" sz="2800" b="1" i="0" u="none" strike="noStrike" cap="none" dirty="0">
+                <a:solidFill>
+                  <a:srgbClr val="FFFF00"/>
+                </a:solidFill>
+                <a:latin typeface="Courier New"/>
+                <a:ea typeface="Courier New"/>
+                <a:cs typeface="Courier New"/>
+                <a:sym typeface="Courier New"/>
+              </a:rPr>
+              <a:t>print(</a:t>
+            </a:r>
+            <a:r>
+              <a:rPr lang="en-US" sz="2800" b="1" i="0" u="none" strike="noStrike" cap="none" dirty="0" err="1">
+                <a:solidFill>
+                  <a:srgbClr val="FF00FF"/>
+                </a:solidFill>
+                <a:latin typeface="Courier New"/>
+                <a:ea typeface="Courier New"/>
+                <a:cs typeface="Courier New"/>
+                <a:sym typeface="Courier New"/>
+              </a:rPr>
+              <a:t>ddd</a:t>
+            </a:r>
+            <a:r>
+              <a:rPr lang="en-US" sz="2800" b="1" dirty="0">
+                <a:solidFill>
+                  <a:srgbClr val="FFFF00"/>
+                </a:solidFill>
+                <a:latin typeface="Courier New"/>
+                <a:ea typeface="Courier New"/>
+                <a:cs typeface="Courier New"/>
+                <a:sym typeface="Courier New"/>
+              </a:rPr>
+              <a:t>)</a:t>
+            </a:r>
+            <a:endParaRPr lang="en-US" sz="2800" b="1" i="0" u="none" strike="noStrike" cap="none" dirty="0">
+              <a:solidFill>
+                <a:srgbClr val="FF00FF"/>
+              </a:solidFill>
+              <a:latin typeface="Courier New"/>
+              <a:ea typeface="Courier New"/>
+              <a:cs typeface="Courier New"/>
+              <a:sym typeface="Courier New"/>
+            </a:endParaRPr>
+          </a:p>
+          <a:p>
+            <a:pPr marL="0" marR="0" lvl="0" indent="0" algn="l" rtl="0">
+              <a:lnSpc>
+                <a:spcPct val="100000"/>
+              </a:lnSpc>
+              <a:spcBef>
+                <a:spcPts val="0"/>
+              </a:spcBef>
+              <a:spcAft>
+                <a:spcPts val="0"/>
+              </a:spcAft>
+              <a:buClr>
+                <a:srgbClr val="FF00FF"/>
+              </a:buClr>
+              <a:buSzPct val="25000"/>
+              <a:buFont typeface="Cabin"/>
+              <a:buNone/>
+            </a:pPr>
+            <a:r>
+              <a:rPr lang="en-US" sz="2800" b="1" i="0" u="none" strike="noStrike" cap="none" dirty="0">
+                <a:solidFill>
+                  <a:srgbClr val="FF00FF"/>
+                </a:solidFill>
+                <a:latin typeface="Courier New"/>
+                <a:ea typeface="Courier New"/>
+                <a:cs typeface="Courier New"/>
+                <a:sym typeface="Courier New"/>
+              </a:rPr>
+              <a:t>{</a:t>
+            </a:r>
+            <a:r>
+              <a:rPr lang="en-US" sz="2800" b="1" i="0" u="none" strike="noStrike" cap="none" dirty="0">
+                <a:solidFill>
+                  <a:srgbClr val="FF7F00"/>
+                </a:solidFill>
+                <a:latin typeface="Courier New"/>
+                <a:ea typeface="Courier New"/>
+                <a:cs typeface="Courier New"/>
+                <a:sym typeface="Courier New"/>
+              </a:rPr>
+              <a:t>'age'</a:t>
+            </a:r>
+            <a:r>
+              <a:rPr lang="en-US" sz="2800" b="1" i="0" u="none" strike="noStrike" cap="none" dirty="0">
+                <a:solidFill>
+                  <a:srgbClr val="FF00FF"/>
+                </a:solidFill>
+                <a:latin typeface="Courier New"/>
+                <a:ea typeface="Courier New"/>
+                <a:cs typeface="Courier New"/>
+                <a:sym typeface="Courier New"/>
+              </a:rPr>
+              <a:t>: </a:t>
+            </a:r>
+            <a:r>
+              <a:rPr lang="en-US" sz="2800" b="1" i="0" u="none" strike="noStrike" cap="none" dirty="0">
+                <a:solidFill>
+                  <a:srgbClr val="FFFF00"/>
+                </a:solidFill>
+                <a:latin typeface="Courier New"/>
+                <a:ea typeface="Courier New"/>
+                <a:cs typeface="Courier New"/>
+                <a:sym typeface="Courier New"/>
+              </a:rPr>
+              <a:t>21</a:t>
+            </a:r>
+            <a:r>
+              <a:rPr lang="en-US" sz="2800" b="1" i="0" u="none" strike="noStrike" cap="none" dirty="0">
+                <a:solidFill>
+                  <a:srgbClr val="FF00FF"/>
+                </a:solidFill>
+                <a:latin typeface="Courier New"/>
+                <a:ea typeface="Courier New"/>
+                <a:cs typeface="Courier New"/>
+                <a:sym typeface="Courier New"/>
+              </a:rPr>
+              <a:t>, </a:t>
+            </a:r>
+            <a:r>
+              <a:rPr lang="en-US" sz="2800" b="1" i="0" u="none" strike="noStrike" cap="none" dirty="0">
+                <a:solidFill>
+                  <a:srgbClr val="FF7F00"/>
+                </a:solidFill>
+                <a:latin typeface="Courier New"/>
+                <a:ea typeface="Courier New"/>
+                <a:cs typeface="Courier New"/>
+                <a:sym typeface="Courier New"/>
+              </a:rPr>
+              <a:t>'course'</a:t>
+            </a:r>
+            <a:r>
+              <a:rPr lang="en-US" sz="2800" b="1" i="0" u="none" strike="noStrike" cap="none" dirty="0">
+                <a:solidFill>
+                  <a:srgbClr val="FF00FF"/>
+                </a:solidFill>
+                <a:latin typeface="Courier New"/>
+                <a:ea typeface="Courier New"/>
+                <a:cs typeface="Courier New"/>
+                <a:sym typeface="Courier New"/>
+              </a:rPr>
+              <a:t>: </a:t>
+            </a:r>
+            <a:r>
+              <a:rPr lang="en-US" sz="2800" b="1" i="0" u="none" strike="noStrike" cap="none" dirty="0">
+                <a:solidFill>
+                  <a:srgbClr val="FFFF00"/>
+                </a:solidFill>
+                <a:latin typeface="Courier New"/>
+                <a:ea typeface="Courier New"/>
+                <a:cs typeface="Courier New"/>
+                <a:sym typeface="Courier New"/>
+              </a:rPr>
+              <a:t>182</a:t>
+            </a:r>
+            <a:r>
+              <a:rPr lang="en-US" sz="2800" b="1" i="0" u="none" strike="noStrike" cap="none" dirty="0">
+                <a:solidFill>
+                  <a:srgbClr val="FF00FF"/>
+                </a:solidFill>
+                <a:latin typeface="Courier New"/>
+                <a:ea typeface="Courier New"/>
+                <a:cs typeface="Courier New"/>
+                <a:sym typeface="Courier New"/>
+              </a:rPr>
+              <a:t>}</a:t>
+            </a:r>
+          </a:p>
+          <a:p>
+            <a:pPr marL="0" marR="0" lvl="0" indent="0" algn="l" rtl="0">
+              <a:lnSpc>
+                <a:spcPct val="100000"/>
+              </a:lnSpc>
+              <a:spcBef>
+                <a:spcPts val="0"/>
+              </a:spcBef>
+              <a:spcAft>
+                <a:spcPts val="0"/>
+              </a:spcAft>
+              <a:buClr>
+                <a:srgbClr val="FF00FF"/>
+              </a:buClr>
+              <a:buSzPct val="25000"/>
+              <a:buFont typeface="Cabin"/>
+              <a:buNone/>
+            </a:pPr>
+            <a:r>
+              <a:rPr lang="en-US" sz="2800" b="1" i="0" u="none" strike="noStrike" cap="none" dirty="0">
+                <a:solidFill>
+                  <a:srgbClr val="FF00FF"/>
+                </a:solidFill>
+                <a:latin typeface="Courier New"/>
+                <a:ea typeface="Courier New"/>
+                <a:cs typeface="Courier New"/>
+                <a:sym typeface="Courier New"/>
+              </a:rPr>
+              <a:t>&gt;&gt;&gt; </a:t>
+            </a:r>
+            <a:r>
+              <a:rPr lang="en-US" sz="2800" b="1" i="0" u="none" strike="noStrike" cap="none" dirty="0" err="1">
+                <a:solidFill>
+                  <a:srgbClr val="FF00FF"/>
+                </a:solidFill>
+                <a:latin typeface="Courier New"/>
+                <a:ea typeface="Courier New"/>
+                <a:cs typeface="Courier New"/>
+                <a:sym typeface="Courier New"/>
+              </a:rPr>
+              <a:t>ddd</a:t>
+            </a:r>
+            <a:r>
+              <a:rPr lang="en-US" sz="2800" b="1" i="0" u="none" strike="noStrike" cap="none" dirty="0">
+                <a:solidFill>
+                  <a:srgbClr val="FF00FF"/>
+                </a:solidFill>
+                <a:latin typeface="Courier New"/>
+                <a:ea typeface="Courier New"/>
+                <a:cs typeface="Courier New"/>
+                <a:sym typeface="Courier New"/>
+              </a:rPr>
+              <a:t>[</a:t>
+            </a:r>
+            <a:r>
+              <a:rPr lang="en-US" sz="2800" b="1" i="0" u="none" strike="noStrike" cap="none" dirty="0">
+                <a:solidFill>
+                  <a:srgbClr val="FF7F00"/>
+                </a:solidFill>
+                <a:latin typeface="Courier New"/>
+                <a:ea typeface="Courier New"/>
+                <a:cs typeface="Courier New"/>
+                <a:sym typeface="Courier New"/>
+              </a:rPr>
+              <a:t>'age'</a:t>
+            </a:r>
+            <a:r>
+              <a:rPr lang="en-US" sz="2800" b="1" i="0" u="none" strike="noStrike" cap="none" dirty="0">
+                <a:solidFill>
+                  <a:srgbClr val="FF00FF"/>
+                </a:solidFill>
+                <a:latin typeface="Courier New"/>
+                <a:ea typeface="Courier New"/>
+                <a:cs typeface="Courier New"/>
+                <a:sym typeface="Courier New"/>
+              </a:rPr>
+              <a:t>] = 23</a:t>
+            </a:r>
+          </a:p>
+          <a:p>
+            <a:pPr lvl="0">
+              <a:buClr>
+                <a:srgbClr val="FF00FF"/>
+              </a:buClr>
+              <a:buSzPct val="25000"/>
+            </a:pPr>
+            <a:r>
+              <a:rPr lang="en-US" sz="2800" b="1" i="0" u="none" strike="noStrike" cap="none" dirty="0">
+                <a:solidFill>
+                  <a:srgbClr val="FF00FF"/>
+                </a:solidFill>
+                <a:latin typeface="Courier New"/>
+                <a:ea typeface="Courier New"/>
+                <a:cs typeface="Courier New"/>
+                <a:sym typeface="Courier New"/>
+              </a:rPr>
+              <a:t>&gt;&gt;&gt; </a:t>
+            </a:r>
+            <a:r>
+              <a:rPr lang="en-US" sz="2800" b="1" i="0" u="none" strike="noStrike" cap="none" dirty="0">
+                <a:solidFill>
+                  <a:srgbClr val="FFFF00"/>
+                </a:solidFill>
+                <a:latin typeface="Courier New"/>
+                <a:ea typeface="Courier New"/>
+                <a:cs typeface="Courier New"/>
+                <a:sym typeface="Courier New"/>
+              </a:rPr>
+              <a:t>print(</a:t>
+            </a:r>
+            <a:r>
+              <a:rPr lang="en-US" sz="2800" b="1" i="0" u="none" strike="noStrike" cap="none" dirty="0" err="1">
+                <a:solidFill>
+                  <a:srgbClr val="FF00FF"/>
+                </a:solidFill>
+                <a:latin typeface="Courier New"/>
+                <a:ea typeface="Courier New"/>
+                <a:cs typeface="Courier New"/>
+                <a:sym typeface="Courier New"/>
+              </a:rPr>
+              <a:t>ddd</a:t>
+            </a:r>
+            <a:r>
+              <a:rPr lang="en-US" sz="2800" b="1" dirty="0">
+                <a:solidFill>
+                  <a:srgbClr val="FFFF00"/>
+                </a:solidFill>
+                <a:latin typeface="Courier New"/>
+                <a:ea typeface="Courier New"/>
+                <a:cs typeface="Courier New"/>
+                <a:sym typeface="Courier New"/>
+              </a:rPr>
+              <a:t>)</a:t>
+            </a:r>
+            <a:endParaRPr lang="en-US" sz="2800" b="1" i="0" u="none" strike="noStrike" cap="none" dirty="0">
+              <a:solidFill>
+                <a:srgbClr val="FF00FF"/>
+              </a:solidFill>
+              <a:latin typeface="Courier New"/>
+              <a:ea typeface="Courier New"/>
+              <a:cs typeface="Courier New"/>
+              <a:sym typeface="Courier New"/>
+            </a:endParaRPr>
+          </a:p>
+          <a:p>
+            <a:pPr marL="0" marR="0" lvl="0" indent="0" algn="l" rtl="0">
+              <a:lnSpc>
+                <a:spcPct val="100000"/>
+              </a:lnSpc>
+              <a:spcBef>
+                <a:spcPts val="0"/>
+              </a:spcBef>
+              <a:spcAft>
+                <a:spcPts val="0"/>
+              </a:spcAft>
+              <a:buClr>
+                <a:srgbClr val="FF00FF"/>
+              </a:buClr>
+              <a:buSzPct val="25000"/>
+              <a:buFont typeface="Cabin"/>
+              <a:buNone/>
+            </a:pPr>
+            <a:r>
+              <a:rPr lang="en-US" sz="2800" b="1" i="0" u="none" strike="noStrike" cap="none" dirty="0">
+                <a:solidFill>
+                  <a:srgbClr val="FF00FF"/>
+                </a:solidFill>
+                <a:latin typeface="Courier New"/>
+                <a:ea typeface="Courier New"/>
+                <a:cs typeface="Courier New"/>
+                <a:sym typeface="Courier New"/>
+              </a:rPr>
+              <a:t>{</a:t>
+            </a:r>
+            <a:r>
+              <a:rPr lang="en-US" sz="2800" b="1" i="0" u="none" strike="noStrike" cap="none" dirty="0">
+                <a:solidFill>
+                  <a:srgbClr val="FF7F00"/>
+                </a:solidFill>
+                <a:latin typeface="Courier New"/>
+                <a:ea typeface="Courier New"/>
+                <a:cs typeface="Courier New"/>
+                <a:sym typeface="Courier New"/>
+              </a:rPr>
+              <a:t>'age'</a:t>
+            </a:r>
+            <a:r>
+              <a:rPr lang="en-US" sz="2800" b="1" i="0" u="none" strike="noStrike" cap="none" dirty="0">
+                <a:solidFill>
+                  <a:srgbClr val="FF00FF"/>
+                </a:solidFill>
+                <a:latin typeface="Courier New"/>
+                <a:ea typeface="Courier New"/>
+                <a:cs typeface="Courier New"/>
+                <a:sym typeface="Courier New"/>
+              </a:rPr>
+              <a:t>: </a:t>
+            </a:r>
+            <a:r>
+              <a:rPr lang="en-US" sz="2800" b="1" i="0" u="none" strike="noStrike" cap="none" dirty="0">
+                <a:solidFill>
+                  <a:srgbClr val="FFFF00"/>
+                </a:solidFill>
+                <a:latin typeface="Courier New"/>
+                <a:ea typeface="Courier New"/>
+                <a:cs typeface="Courier New"/>
+                <a:sym typeface="Courier New"/>
+              </a:rPr>
+              <a:t>23</a:t>
+            </a:r>
+            <a:r>
+              <a:rPr lang="en-US" sz="2800" b="1" i="0" u="none" strike="noStrike" cap="none" dirty="0">
+                <a:solidFill>
+                  <a:srgbClr val="FF00FF"/>
+                </a:solidFill>
+                <a:latin typeface="Courier New"/>
+                <a:ea typeface="Courier New"/>
+                <a:cs typeface="Courier New"/>
+                <a:sym typeface="Courier New"/>
+              </a:rPr>
+              <a:t>, </a:t>
+            </a:r>
+            <a:r>
+              <a:rPr lang="en-US" sz="2800" b="1" i="0" u="none" strike="noStrike" cap="none" dirty="0">
+                <a:solidFill>
+                  <a:srgbClr val="FF7F00"/>
+                </a:solidFill>
+                <a:latin typeface="Courier New"/>
+                <a:ea typeface="Courier New"/>
+                <a:cs typeface="Courier New"/>
+                <a:sym typeface="Courier New"/>
+              </a:rPr>
+              <a:t>'course'</a:t>
+            </a:r>
+            <a:r>
+              <a:rPr lang="en-US" sz="2800" b="1" i="0" u="none" strike="noStrike" cap="none" dirty="0">
+                <a:solidFill>
+                  <a:srgbClr val="FF00FF"/>
+                </a:solidFill>
+                <a:latin typeface="Courier New"/>
+                <a:ea typeface="Courier New"/>
+                <a:cs typeface="Courier New"/>
+                <a:sym typeface="Courier New"/>
+              </a:rPr>
+              <a:t>: </a:t>
+            </a:r>
+            <a:r>
+              <a:rPr lang="en-US" sz="2800" b="1" i="0" u="none" strike="noStrike" cap="none" dirty="0">
+                <a:solidFill>
+                  <a:srgbClr val="FFFF00"/>
+                </a:solidFill>
+                <a:latin typeface="Courier New"/>
+                <a:ea typeface="Courier New"/>
+                <a:cs typeface="Courier New"/>
+                <a:sym typeface="Courier New"/>
+              </a:rPr>
+              <a:t>182</a:t>
+            </a:r>
+            <a:r>
+              <a:rPr lang="en-US" sz="2800" b="1" i="0" u="none" strike="noStrike" cap="none" dirty="0">
+                <a:solidFill>
+                  <a:srgbClr val="FF00FF"/>
+                </a:solidFill>
+                <a:latin typeface="Courier New"/>
+                <a:ea typeface="Courier New"/>
+                <a:cs typeface="Courier New"/>
+                <a:sym typeface="Courier New"/>
+              </a:rPr>
+              <a:t>}</a:t>
+            </a:r>
+          </a:p>
+        </p:txBody>
+      </p:sp>
+      <p:sp>
+        <p:nvSpPr>
+          <p:cNvPr id="275" name="Shape 275"/>
+          <p:cNvSpPr txBox="1"/>
+          <p:nvPr/>
+        </p:nvSpPr>
+        <p:spPr>
+          <a:xfrm>
+            <a:off x="10263191" y="2252613"/>
+            <a:ext cx="647700" cy="622199"/>
+          </a:xfrm>
+          <a:prstGeom prst="rect">
+            <a:avLst/>
+          </a:prstGeom>
+          <a:noFill/>
+          <a:ln>
+            <a:noFill/>
+          </a:ln>
+        </p:spPr>
+        <p:txBody>
+          <a:bodyPr lIns="0" tIns="0" rIns="0" bIns="0" anchor="ctr" anchorCtr="0">
+            <a:noAutofit/>
+          </a:bodyPr>
+          <a:lstStyle/>
+          <a:p>
+            <a:pPr marL="0" marR="0" lvl="0" indent="0" algn="r" rtl="0">
+              <a:lnSpc>
+                <a:spcPct val="100000"/>
+              </a:lnSpc>
+              <a:spcBef>
+                <a:spcPts val="0"/>
+              </a:spcBef>
+              <a:spcAft>
+                <a:spcPts val="0"/>
+              </a:spcAft>
+              <a:buClr>
+                <a:srgbClr val="FF7F00"/>
+              </a:buClr>
+              <a:buSzPct val="25000"/>
+              <a:buFont typeface="Cabin"/>
+              <a:buNone/>
+            </a:pPr>
+            <a:r>
+              <a:rPr lang="en-US" sz="3200" u="none" strike="noStrike" cap="none">
+                <a:solidFill>
+                  <a:srgbClr val="FF7F00"/>
+                </a:solidFill>
+                <a:latin typeface="Arial" charset="0"/>
+                <a:ea typeface="Arial" charset="0"/>
+                <a:cs typeface="Arial" charset="0"/>
+                <a:sym typeface="Cabin"/>
+              </a:rPr>
+              <a:t>[0]</a:t>
+            </a:r>
+          </a:p>
+        </p:txBody>
+      </p:sp>
+      <p:sp>
+        <p:nvSpPr>
+          <p:cNvPr id="276" name="Shape 276"/>
+          <p:cNvSpPr txBox="1"/>
+          <p:nvPr/>
+        </p:nvSpPr>
+        <p:spPr>
+          <a:xfrm>
+            <a:off x="11587166" y="2239913"/>
+            <a:ext cx="597000" cy="647700"/>
+          </a:xfrm>
+          <a:prstGeom prst="rect">
+            <a:avLst/>
+          </a:prstGeom>
+          <a:noFill/>
+          <a:ln w="25400" cap="rnd" cmpd="sng">
+            <a:solidFill>
+              <a:srgbClr val="FFFF00"/>
+            </a:solidFill>
+            <a:prstDash val="solid"/>
+            <a:miter/>
+            <a:headEnd type="none" w="med" len="med"/>
+            <a:tailEnd type="none" w="med" len="med"/>
+          </a:ln>
+        </p:spPr>
+        <p:txBody>
+          <a:bodyPr lIns="0" tIns="0" rIns="0" bIns="0" anchor="ctr" anchorCtr="0">
+            <a:noAutofit/>
+          </a:bodyPr>
+          <a:lstStyle/>
+          <a:p>
+            <a:pPr marL="0" marR="0" lvl="0" indent="0" algn="l" rtl="0">
+              <a:lnSpc>
+                <a:spcPct val="100000"/>
+              </a:lnSpc>
+              <a:spcBef>
+                <a:spcPts val="0"/>
+              </a:spcBef>
+              <a:spcAft>
+                <a:spcPts val="0"/>
+              </a:spcAft>
+              <a:buClr>
+                <a:schemeClr val="lt1"/>
+              </a:buClr>
+              <a:buSzPct val="25000"/>
+              <a:buFont typeface="Cabin"/>
+              <a:buNone/>
+            </a:pPr>
+            <a:r>
+              <a:rPr lang="en-US" sz="3200" dirty="0">
+                <a:solidFill>
+                  <a:schemeClr val="lt1"/>
+                </a:solidFill>
+                <a:latin typeface="Arial" charset="0"/>
+                <a:ea typeface="Arial" charset="0"/>
+                <a:cs typeface="Arial" charset="0"/>
+                <a:sym typeface="Cabin"/>
+              </a:rPr>
+              <a:t> </a:t>
+            </a:r>
+            <a:r>
+              <a:rPr lang="en-US" sz="3200" u="none" strike="noStrike" cap="none" dirty="0">
+                <a:solidFill>
+                  <a:schemeClr val="lt1"/>
+                </a:solidFill>
+                <a:latin typeface="Arial" charset="0"/>
+                <a:ea typeface="Arial" charset="0"/>
+                <a:cs typeface="Arial" charset="0"/>
+                <a:sym typeface="Cabin"/>
+              </a:rPr>
+              <a:t>23</a:t>
+            </a:r>
+          </a:p>
+        </p:txBody>
+      </p:sp>
+      <p:sp>
+        <p:nvSpPr>
+          <p:cNvPr id="277" name="Shape 277"/>
+          <p:cNvSpPr txBox="1"/>
+          <p:nvPr/>
+        </p:nvSpPr>
+        <p:spPr>
+          <a:xfrm>
+            <a:off x="10263191" y="3014613"/>
+            <a:ext cx="647700" cy="622199"/>
+          </a:xfrm>
+          <a:prstGeom prst="rect">
+            <a:avLst/>
+          </a:prstGeom>
+          <a:noFill/>
+          <a:ln>
+            <a:noFill/>
+          </a:ln>
+        </p:spPr>
+        <p:txBody>
+          <a:bodyPr lIns="0" tIns="0" rIns="0" bIns="0" anchor="ctr" anchorCtr="0">
+            <a:noAutofit/>
+          </a:bodyPr>
+          <a:lstStyle/>
+          <a:p>
+            <a:pPr marL="0" marR="0" lvl="0" indent="0" algn="r" rtl="0">
+              <a:lnSpc>
+                <a:spcPct val="100000"/>
+              </a:lnSpc>
+              <a:spcBef>
+                <a:spcPts val="0"/>
+              </a:spcBef>
+              <a:spcAft>
+                <a:spcPts val="0"/>
+              </a:spcAft>
+              <a:buClr>
+                <a:srgbClr val="FF7F00"/>
+              </a:buClr>
+              <a:buSzPct val="25000"/>
+              <a:buFont typeface="Cabin"/>
+              <a:buNone/>
+            </a:pPr>
+            <a:r>
+              <a:rPr lang="en-US" sz="3200" u="none" strike="noStrike" cap="none">
+                <a:solidFill>
+                  <a:srgbClr val="FF7F00"/>
+                </a:solidFill>
+                <a:latin typeface="Arial" charset="0"/>
+                <a:ea typeface="Arial" charset="0"/>
+                <a:cs typeface="Arial" charset="0"/>
+                <a:sym typeface="Cabin"/>
+              </a:rPr>
+              <a:t>[1]</a:t>
+            </a:r>
+          </a:p>
+        </p:txBody>
+      </p:sp>
+      <p:sp>
+        <p:nvSpPr>
+          <p:cNvPr id="278" name="Shape 278"/>
+          <p:cNvSpPr txBox="1"/>
+          <p:nvPr/>
+        </p:nvSpPr>
+        <p:spPr>
+          <a:xfrm>
+            <a:off x="11587166" y="3001913"/>
+            <a:ext cx="947699" cy="647700"/>
+          </a:xfrm>
+          <a:prstGeom prst="rect">
+            <a:avLst/>
+          </a:prstGeom>
+          <a:noFill/>
+          <a:ln w="25400" cap="rnd" cmpd="sng">
+            <a:solidFill>
+              <a:srgbClr val="FFFF00"/>
+            </a:solidFill>
+            <a:prstDash val="solid"/>
+            <a:miter/>
+            <a:headEnd type="none" w="med" len="med"/>
+            <a:tailEnd type="none" w="med" len="med"/>
+          </a:ln>
+        </p:spPr>
+        <p:txBody>
+          <a:bodyPr lIns="0" tIns="0" rIns="0" bIns="0" anchor="ctr" anchorCtr="0">
+            <a:noAutofit/>
+          </a:bodyPr>
+          <a:lstStyle/>
+          <a:p>
+            <a:pPr marL="0" marR="0" lvl="0" indent="0" algn="l" rtl="0">
+              <a:lnSpc>
+                <a:spcPct val="100000"/>
+              </a:lnSpc>
+              <a:spcBef>
+                <a:spcPts val="0"/>
+              </a:spcBef>
+              <a:spcAft>
+                <a:spcPts val="0"/>
+              </a:spcAft>
+              <a:buClr>
+                <a:schemeClr val="lt1"/>
+              </a:buClr>
+              <a:buSzPct val="25000"/>
+              <a:buFont typeface="Cabin"/>
+              <a:buNone/>
+            </a:pPr>
+            <a:r>
+              <a:rPr lang="en-US" sz="3200">
+                <a:solidFill>
+                  <a:schemeClr val="lt1"/>
+                </a:solidFill>
+                <a:latin typeface="Arial" charset="0"/>
+                <a:ea typeface="Arial" charset="0"/>
+                <a:cs typeface="Arial" charset="0"/>
+                <a:sym typeface="Cabin"/>
+              </a:rPr>
+              <a:t> </a:t>
+            </a:r>
+            <a:r>
+              <a:rPr lang="en-US" sz="3200" u="none" strike="noStrike" cap="none">
+                <a:solidFill>
+                  <a:schemeClr val="lt1"/>
+                </a:solidFill>
+                <a:latin typeface="Arial" charset="0"/>
+                <a:ea typeface="Arial" charset="0"/>
+                <a:cs typeface="Arial" charset="0"/>
+                <a:sym typeface="Cabin"/>
+              </a:rPr>
+              <a:t>183</a:t>
+            </a:r>
+          </a:p>
+        </p:txBody>
+      </p:sp>
+      <p:sp>
+        <p:nvSpPr>
+          <p:cNvPr id="279" name="Shape 279"/>
+          <p:cNvSpPr txBox="1"/>
+          <p:nvPr/>
+        </p:nvSpPr>
+        <p:spPr>
+          <a:xfrm>
+            <a:off x="13758866" y="2405013"/>
+            <a:ext cx="647700" cy="774599"/>
+          </a:xfrm>
+          <a:prstGeom prst="rect">
+            <a:avLst/>
+          </a:prstGeom>
+          <a:noFill/>
+          <a:ln>
+            <a:noFill/>
+          </a:ln>
+        </p:spPr>
+        <p:txBody>
+          <a:bodyPr lIns="0" tIns="0" rIns="0" bIns="0" anchor="ctr" anchorCtr="0">
+            <a:noAutofit/>
+          </a:bodyPr>
+          <a:lstStyle/>
+          <a:p>
+            <a:pPr marL="0" marR="0" lvl="0" indent="0" algn="ctr" rtl="0">
+              <a:lnSpc>
+                <a:spcPct val="100000"/>
+              </a:lnSpc>
+              <a:spcBef>
+                <a:spcPts val="0"/>
+              </a:spcBef>
+              <a:spcAft>
+                <a:spcPts val="0"/>
+              </a:spcAft>
+              <a:buClr>
+                <a:srgbClr val="00FF00"/>
+              </a:buClr>
+              <a:buSzPct val="25000"/>
+              <a:buFont typeface="Cabin"/>
+              <a:buNone/>
+            </a:pPr>
+            <a:r>
+              <a:rPr lang="en-US" sz="3200" u="none" strike="noStrike" cap="none">
+                <a:solidFill>
+                  <a:srgbClr val="00FF00"/>
+                </a:solidFill>
+                <a:latin typeface="Arial" charset="0"/>
+                <a:ea typeface="Arial" charset="0"/>
+                <a:cs typeface="Arial" charset="0"/>
+                <a:sym typeface="Cabin"/>
+              </a:rPr>
+              <a:t>l</a:t>
+            </a:r>
+            <a:r>
+              <a:rPr lang="en-US" sz="3200">
+                <a:solidFill>
+                  <a:srgbClr val="00FF00"/>
+                </a:solidFill>
+                <a:latin typeface="Arial" charset="0"/>
+                <a:ea typeface="Arial" charset="0"/>
+                <a:cs typeface="Arial" charset="0"/>
+                <a:sym typeface="Cabin"/>
+              </a:rPr>
+              <a:t>st</a:t>
+            </a:r>
+          </a:p>
+        </p:txBody>
+      </p:sp>
+      <p:sp>
+        <p:nvSpPr>
+          <p:cNvPr id="280" name="Shape 280"/>
+          <p:cNvSpPr txBox="1"/>
+          <p:nvPr/>
+        </p:nvSpPr>
+        <p:spPr>
+          <a:xfrm>
+            <a:off x="10186991" y="1452513"/>
+            <a:ext cx="798600" cy="622199"/>
+          </a:xfrm>
+          <a:prstGeom prst="rect">
+            <a:avLst/>
+          </a:prstGeom>
+          <a:noFill/>
+          <a:ln>
+            <a:noFill/>
+          </a:ln>
+        </p:spPr>
+        <p:txBody>
+          <a:bodyPr lIns="0" tIns="0" rIns="0" bIns="0" anchor="ctr" anchorCtr="0">
+            <a:noAutofit/>
+          </a:bodyPr>
+          <a:lstStyle/>
+          <a:p>
+            <a:pPr marL="0" marR="0" lvl="0" indent="0" algn="ctr" rtl="0">
+              <a:lnSpc>
+                <a:spcPct val="100000"/>
+              </a:lnSpc>
+              <a:spcBef>
+                <a:spcPts val="0"/>
+              </a:spcBef>
+              <a:spcAft>
+                <a:spcPts val="0"/>
+              </a:spcAft>
+              <a:buClr>
+                <a:srgbClr val="FF7F00"/>
+              </a:buClr>
+              <a:buSzPct val="25000"/>
+              <a:buFont typeface="Cabin"/>
+              <a:buNone/>
+            </a:pPr>
+            <a:r>
+              <a:rPr lang="en-US" sz="3200" u="none" strike="noStrike" cap="none">
+                <a:solidFill>
+                  <a:srgbClr val="FF7F00"/>
+                </a:solidFill>
+                <a:latin typeface="Arial" charset="0"/>
+                <a:ea typeface="Arial" charset="0"/>
+                <a:cs typeface="Arial" charset="0"/>
+                <a:sym typeface="Cabin"/>
+              </a:rPr>
+              <a:t>Key</a:t>
+            </a:r>
+          </a:p>
+        </p:txBody>
+      </p:sp>
+      <p:sp>
+        <p:nvSpPr>
+          <p:cNvPr id="281" name="Shape 281"/>
+          <p:cNvSpPr txBox="1"/>
+          <p:nvPr/>
+        </p:nvSpPr>
+        <p:spPr>
+          <a:xfrm>
+            <a:off x="11607802" y="1452513"/>
+            <a:ext cx="1106487" cy="622299"/>
+          </a:xfrm>
+          <a:prstGeom prst="rect">
+            <a:avLst/>
+          </a:prstGeom>
+          <a:noFill/>
+          <a:ln>
+            <a:noFill/>
+          </a:ln>
+        </p:spPr>
+        <p:txBody>
+          <a:bodyPr lIns="0" tIns="0" rIns="0" bIns="0" anchor="ctr" anchorCtr="0">
+            <a:noAutofit/>
+          </a:bodyPr>
+          <a:lstStyle/>
+          <a:p>
+            <a:pPr marL="0" marR="0" lvl="0" indent="0" algn="ctr" rtl="0">
+              <a:lnSpc>
+                <a:spcPct val="100000"/>
+              </a:lnSpc>
+              <a:spcBef>
+                <a:spcPts val="0"/>
+              </a:spcBef>
+              <a:spcAft>
+                <a:spcPts val="0"/>
+              </a:spcAft>
+              <a:buClr>
+                <a:srgbClr val="FFFF00"/>
+              </a:buClr>
+              <a:buSzPct val="25000"/>
+              <a:buFont typeface="Cabin"/>
+              <a:buNone/>
+            </a:pPr>
+            <a:r>
+              <a:rPr lang="en-US" sz="3200" u="none" strike="noStrike" cap="none">
+                <a:solidFill>
+                  <a:srgbClr val="FFFF00"/>
+                </a:solidFill>
+                <a:latin typeface="Arial" charset="0"/>
+                <a:ea typeface="Arial" charset="0"/>
+                <a:cs typeface="Arial" charset="0"/>
+                <a:sym typeface="Cabin"/>
+              </a:rPr>
+              <a:t>Value</a:t>
+            </a:r>
+          </a:p>
+        </p:txBody>
+      </p:sp>
+      <p:sp>
+        <p:nvSpPr>
+          <p:cNvPr id="282" name="Shape 282"/>
+          <p:cNvSpPr txBox="1"/>
+          <p:nvPr/>
+        </p:nvSpPr>
+        <p:spPr>
+          <a:xfrm>
+            <a:off x="9418641" y="6353121"/>
+            <a:ext cx="1847699" cy="622199"/>
+          </a:xfrm>
+          <a:prstGeom prst="rect">
+            <a:avLst/>
+          </a:prstGeom>
+          <a:noFill/>
+          <a:ln>
+            <a:noFill/>
+          </a:ln>
+        </p:spPr>
+        <p:txBody>
+          <a:bodyPr lIns="0" tIns="0" rIns="0" bIns="0" anchor="ctr" anchorCtr="0">
+            <a:noAutofit/>
+          </a:bodyPr>
+          <a:lstStyle/>
+          <a:p>
+            <a:pPr marL="0" marR="0" lvl="0" indent="0" algn="r" rtl="0">
+              <a:lnSpc>
+                <a:spcPct val="100000"/>
+              </a:lnSpc>
+              <a:spcBef>
+                <a:spcPts val="0"/>
+              </a:spcBef>
+              <a:spcAft>
+                <a:spcPts val="0"/>
+              </a:spcAft>
+              <a:buClr>
+                <a:srgbClr val="FF7F00"/>
+              </a:buClr>
+              <a:buSzPct val="25000"/>
+              <a:buFont typeface="Cabin"/>
+              <a:buNone/>
+            </a:pPr>
+            <a:r>
+              <a:rPr lang="en-US" sz="3200" u="none" strike="noStrike" cap="none">
+                <a:solidFill>
+                  <a:srgbClr val="FF7F00"/>
+                </a:solidFill>
+                <a:latin typeface="Arial" charset="0"/>
+                <a:ea typeface="Arial" charset="0"/>
+                <a:cs typeface="Arial" charset="0"/>
+                <a:sym typeface="Cabin"/>
+              </a:rPr>
+              <a:t>['course']</a:t>
+            </a:r>
+          </a:p>
+        </p:txBody>
+      </p:sp>
+      <p:sp>
+        <p:nvSpPr>
+          <p:cNvPr id="283" name="Shape 283"/>
+          <p:cNvSpPr txBox="1"/>
+          <p:nvPr/>
+        </p:nvSpPr>
+        <p:spPr>
+          <a:xfrm>
+            <a:off x="11790366" y="6340421"/>
+            <a:ext cx="947699" cy="647700"/>
+          </a:xfrm>
+          <a:prstGeom prst="rect">
+            <a:avLst/>
+          </a:prstGeom>
+          <a:noFill/>
+          <a:ln w="25400" cap="rnd" cmpd="sng">
+            <a:solidFill>
+              <a:srgbClr val="FFFF00"/>
+            </a:solidFill>
+            <a:prstDash val="solid"/>
+            <a:miter/>
+            <a:headEnd type="none" w="med" len="med"/>
+            <a:tailEnd type="none" w="med" len="med"/>
+          </a:ln>
+        </p:spPr>
+        <p:txBody>
+          <a:bodyPr lIns="0" tIns="0" rIns="0" bIns="0" anchor="ctr" anchorCtr="0">
+            <a:noAutofit/>
+          </a:bodyPr>
+          <a:lstStyle/>
+          <a:p>
+            <a:pPr marL="0" marR="0" lvl="0" indent="0" algn="l" rtl="0">
+              <a:lnSpc>
+                <a:spcPct val="100000"/>
+              </a:lnSpc>
+              <a:spcBef>
+                <a:spcPts val="0"/>
+              </a:spcBef>
+              <a:spcAft>
+                <a:spcPts val="0"/>
+              </a:spcAft>
+              <a:buClr>
+                <a:schemeClr val="lt1"/>
+              </a:buClr>
+              <a:buSzPct val="25000"/>
+              <a:buFont typeface="Cabin"/>
+              <a:buNone/>
+            </a:pPr>
+            <a:r>
+              <a:rPr lang="en-US" sz="3200">
+                <a:solidFill>
+                  <a:schemeClr val="lt1"/>
+                </a:solidFill>
+                <a:latin typeface="Arial" charset="0"/>
+                <a:ea typeface="Arial" charset="0"/>
+                <a:cs typeface="Arial" charset="0"/>
+                <a:sym typeface="Cabin"/>
+              </a:rPr>
+              <a:t> </a:t>
+            </a:r>
+            <a:r>
+              <a:rPr lang="en-US" sz="3200" u="none" strike="noStrike" cap="none">
+                <a:solidFill>
+                  <a:schemeClr val="lt1"/>
+                </a:solidFill>
+                <a:latin typeface="Arial" charset="0"/>
+                <a:ea typeface="Arial" charset="0"/>
+                <a:cs typeface="Arial" charset="0"/>
+                <a:sym typeface="Cabin"/>
+              </a:rPr>
+              <a:t>18</a:t>
+            </a:r>
+            <a:r>
+              <a:rPr lang="en-US" sz="3200">
+                <a:solidFill>
+                  <a:schemeClr val="lt1"/>
+                </a:solidFill>
+                <a:latin typeface="Arial" charset="0"/>
+                <a:ea typeface="Arial" charset="0"/>
+                <a:cs typeface="Arial" charset="0"/>
+                <a:sym typeface="Cabin"/>
+              </a:rPr>
+              <a:t>2</a:t>
+            </a:r>
+          </a:p>
+        </p:txBody>
+      </p:sp>
+      <p:sp>
+        <p:nvSpPr>
+          <p:cNvPr id="284" name="Shape 284"/>
+          <p:cNvSpPr txBox="1"/>
+          <p:nvPr/>
+        </p:nvSpPr>
+        <p:spPr>
+          <a:xfrm>
+            <a:off x="10066341" y="7115121"/>
+            <a:ext cx="1200299" cy="622199"/>
+          </a:xfrm>
+          <a:prstGeom prst="rect">
+            <a:avLst/>
+          </a:prstGeom>
+          <a:noFill/>
+          <a:ln>
+            <a:noFill/>
+          </a:ln>
+        </p:spPr>
+        <p:txBody>
+          <a:bodyPr lIns="0" tIns="0" rIns="0" bIns="0" anchor="ctr" anchorCtr="0">
+            <a:noAutofit/>
+          </a:bodyPr>
+          <a:lstStyle/>
+          <a:p>
+            <a:pPr marL="0" marR="0" lvl="0" indent="0" algn="r" rtl="0">
+              <a:lnSpc>
+                <a:spcPct val="100000"/>
+              </a:lnSpc>
+              <a:spcBef>
+                <a:spcPts val="0"/>
+              </a:spcBef>
+              <a:spcAft>
+                <a:spcPts val="0"/>
+              </a:spcAft>
+              <a:buClr>
+                <a:srgbClr val="FF7F00"/>
+              </a:buClr>
+              <a:buSzPct val="25000"/>
+              <a:buFont typeface="Cabin"/>
+              <a:buNone/>
+            </a:pPr>
+            <a:r>
+              <a:rPr lang="en-US" sz="3200" u="none" strike="noStrike" cap="none">
+                <a:solidFill>
+                  <a:srgbClr val="FF7F00"/>
+                </a:solidFill>
+                <a:latin typeface="Arial" charset="0"/>
+                <a:ea typeface="Arial" charset="0"/>
+                <a:cs typeface="Arial" charset="0"/>
+                <a:sym typeface="Cabin"/>
+              </a:rPr>
+              <a:t>['age']</a:t>
+            </a:r>
+          </a:p>
+        </p:txBody>
+      </p:sp>
+      <p:sp>
+        <p:nvSpPr>
+          <p:cNvPr id="285" name="Shape 285"/>
+          <p:cNvSpPr txBox="1"/>
+          <p:nvPr/>
+        </p:nvSpPr>
+        <p:spPr>
+          <a:xfrm>
+            <a:off x="11790366" y="7102421"/>
+            <a:ext cx="597000" cy="647700"/>
+          </a:xfrm>
+          <a:prstGeom prst="rect">
+            <a:avLst/>
+          </a:prstGeom>
+          <a:noFill/>
+          <a:ln w="25400" cap="rnd" cmpd="sng">
+            <a:solidFill>
+              <a:srgbClr val="FFFF00"/>
+            </a:solidFill>
+            <a:prstDash val="solid"/>
+            <a:miter/>
+            <a:headEnd type="none" w="med" len="med"/>
+            <a:tailEnd type="none" w="med" len="med"/>
+          </a:ln>
+        </p:spPr>
+        <p:txBody>
+          <a:bodyPr lIns="0" tIns="0" rIns="0" bIns="0" anchor="ctr" anchorCtr="0">
+            <a:noAutofit/>
+          </a:bodyPr>
+          <a:lstStyle/>
+          <a:p>
+            <a:pPr marL="0" marR="0" lvl="0" indent="0" algn="l" rtl="0">
+              <a:lnSpc>
+                <a:spcPct val="100000"/>
+              </a:lnSpc>
+              <a:spcBef>
+                <a:spcPts val="0"/>
+              </a:spcBef>
+              <a:spcAft>
+                <a:spcPts val="0"/>
+              </a:spcAft>
+              <a:buClr>
+                <a:schemeClr val="lt1"/>
+              </a:buClr>
+              <a:buSzPct val="25000"/>
+              <a:buFont typeface="Cabin"/>
+              <a:buNone/>
+            </a:pPr>
+            <a:r>
+              <a:rPr lang="en-US" sz="3200" dirty="0">
+                <a:solidFill>
+                  <a:schemeClr val="lt1"/>
+                </a:solidFill>
+                <a:latin typeface="Arial" charset="0"/>
+                <a:ea typeface="Arial" charset="0"/>
+                <a:cs typeface="Arial" charset="0"/>
+                <a:sym typeface="Cabin"/>
+              </a:rPr>
+              <a:t> </a:t>
+            </a:r>
+            <a:r>
+              <a:rPr lang="en-US" sz="3200" u="none" strike="noStrike" cap="none" dirty="0">
+                <a:solidFill>
+                  <a:schemeClr val="lt1"/>
+                </a:solidFill>
+                <a:latin typeface="Arial" charset="0"/>
+                <a:ea typeface="Arial" charset="0"/>
+                <a:cs typeface="Arial" charset="0"/>
+                <a:sym typeface="Cabin"/>
+              </a:rPr>
+              <a:t>23</a:t>
+            </a:r>
+          </a:p>
+        </p:txBody>
+      </p:sp>
+      <p:sp>
+        <p:nvSpPr>
+          <p:cNvPr id="286" name="Shape 286"/>
+          <p:cNvSpPr txBox="1"/>
+          <p:nvPr/>
+        </p:nvSpPr>
+        <p:spPr>
+          <a:xfrm>
+            <a:off x="13593766" y="6556321"/>
+            <a:ext cx="996950" cy="774700"/>
+          </a:xfrm>
+          <a:prstGeom prst="rect">
+            <a:avLst/>
+          </a:prstGeom>
+          <a:noFill/>
+          <a:ln>
+            <a:noFill/>
+          </a:ln>
+        </p:spPr>
+        <p:txBody>
+          <a:bodyPr lIns="0" tIns="0" rIns="0" bIns="0" anchor="ctr" anchorCtr="0">
+            <a:noAutofit/>
+          </a:bodyPr>
+          <a:lstStyle/>
+          <a:p>
+            <a:pPr marL="0" marR="0" lvl="0" indent="0" algn="ctr" rtl="0">
+              <a:lnSpc>
+                <a:spcPct val="100000"/>
+              </a:lnSpc>
+              <a:spcBef>
+                <a:spcPts val="0"/>
+              </a:spcBef>
+              <a:spcAft>
+                <a:spcPts val="0"/>
+              </a:spcAft>
+              <a:buClr>
+                <a:srgbClr val="FF00FF"/>
+              </a:buClr>
+              <a:buSzPct val="25000"/>
+              <a:buFont typeface="Cabin"/>
+              <a:buNone/>
+            </a:pPr>
+            <a:r>
+              <a:rPr lang="en-US" sz="3200" u="none" strike="noStrike" cap="none">
+                <a:solidFill>
+                  <a:srgbClr val="FF00FF"/>
+                </a:solidFill>
+                <a:latin typeface="Arial" charset="0"/>
+                <a:ea typeface="Arial" charset="0"/>
+                <a:cs typeface="Arial" charset="0"/>
+                <a:sym typeface="Cabin"/>
+              </a:rPr>
+              <a:t>ddd</a:t>
+            </a:r>
+          </a:p>
+        </p:txBody>
+      </p:sp>
+      <p:sp>
+        <p:nvSpPr>
+          <p:cNvPr id="287" name="Shape 287"/>
+          <p:cNvSpPr txBox="1"/>
+          <p:nvPr/>
+        </p:nvSpPr>
+        <p:spPr>
+          <a:xfrm>
+            <a:off x="10313991" y="5553021"/>
+            <a:ext cx="798512" cy="622299"/>
+          </a:xfrm>
+          <a:prstGeom prst="rect">
+            <a:avLst/>
+          </a:prstGeom>
+          <a:noFill/>
+          <a:ln>
+            <a:noFill/>
+          </a:ln>
+        </p:spPr>
+        <p:txBody>
+          <a:bodyPr lIns="0" tIns="0" rIns="0" bIns="0" anchor="ctr" anchorCtr="0">
+            <a:noAutofit/>
+          </a:bodyPr>
+          <a:lstStyle/>
+          <a:p>
+            <a:pPr marL="0" marR="0" lvl="0" indent="0" algn="ctr" rtl="0">
+              <a:lnSpc>
+                <a:spcPct val="100000"/>
+              </a:lnSpc>
+              <a:spcBef>
+                <a:spcPts val="0"/>
+              </a:spcBef>
+              <a:spcAft>
+                <a:spcPts val="0"/>
+              </a:spcAft>
+              <a:buClr>
+                <a:srgbClr val="FF7F00"/>
+              </a:buClr>
+              <a:buSzPct val="25000"/>
+              <a:buFont typeface="Cabin"/>
+              <a:buNone/>
+            </a:pPr>
+            <a:r>
+              <a:rPr lang="en-US" sz="3200" u="none" strike="noStrike" cap="none">
+                <a:solidFill>
+                  <a:srgbClr val="FF7F00"/>
+                </a:solidFill>
+                <a:latin typeface="Arial" charset="0"/>
+                <a:ea typeface="Arial" charset="0"/>
+                <a:cs typeface="Arial" charset="0"/>
+                <a:sym typeface="Cabin"/>
+              </a:rPr>
+              <a:t>Key</a:t>
+            </a:r>
+          </a:p>
+        </p:txBody>
+      </p:sp>
+      <p:sp>
+        <p:nvSpPr>
+          <p:cNvPr id="288" name="Shape 288"/>
+          <p:cNvSpPr txBox="1"/>
+          <p:nvPr/>
+        </p:nvSpPr>
+        <p:spPr>
+          <a:xfrm>
+            <a:off x="11734803" y="5553021"/>
+            <a:ext cx="1106400" cy="622199"/>
+          </a:xfrm>
+          <a:prstGeom prst="rect">
+            <a:avLst/>
+          </a:prstGeom>
+          <a:noFill/>
+          <a:ln>
+            <a:noFill/>
+          </a:ln>
+        </p:spPr>
+        <p:txBody>
+          <a:bodyPr lIns="0" tIns="0" rIns="0" bIns="0" anchor="ctr" anchorCtr="0">
+            <a:noAutofit/>
+          </a:bodyPr>
+          <a:lstStyle/>
+          <a:p>
+            <a:pPr marL="0" marR="0" lvl="0" indent="0" algn="ctr" rtl="0">
+              <a:lnSpc>
+                <a:spcPct val="100000"/>
+              </a:lnSpc>
+              <a:spcBef>
+                <a:spcPts val="0"/>
+              </a:spcBef>
+              <a:spcAft>
+                <a:spcPts val="0"/>
+              </a:spcAft>
+              <a:buClr>
+                <a:srgbClr val="FFFF00"/>
+              </a:buClr>
+              <a:buSzPct val="25000"/>
+              <a:buFont typeface="Cabin"/>
+              <a:buNone/>
+            </a:pPr>
+            <a:r>
+              <a:rPr lang="en-US" sz="3200" u="none" strike="noStrike" cap="none">
+                <a:solidFill>
+                  <a:srgbClr val="FFFF00"/>
+                </a:solidFill>
+                <a:latin typeface="Arial" charset="0"/>
+                <a:ea typeface="Arial" charset="0"/>
+                <a:cs typeface="Arial" charset="0"/>
+                <a:sym typeface="Cabin"/>
+              </a:rPr>
+              <a:t>Value</a:t>
+            </a:r>
+          </a:p>
+        </p:txBody>
+      </p:sp>
+      <p:sp>
+        <p:nvSpPr>
+          <p:cNvPr id="289" name="Shape 289"/>
+          <p:cNvSpPr txBox="1"/>
+          <p:nvPr/>
+        </p:nvSpPr>
+        <p:spPr>
+          <a:xfrm>
+            <a:off x="10823577" y="766713"/>
+            <a:ext cx="947737" cy="774700"/>
+          </a:xfrm>
+          <a:prstGeom prst="rect">
+            <a:avLst/>
+          </a:prstGeom>
+          <a:noFill/>
+          <a:ln>
+            <a:noFill/>
+          </a:ln>
+        </p:spPr>
+        <p:txBody>
+          <a:bodyPr lIns="0" tIns="0" rIns="0" bIns="0" anchor="ctr" anchorCtr="0">
+            <a:noAutofit/>
+          </a:bodyPr>
+          <a:lstStyle/>
+          <a:p>
+            <a:pPr marL="0" marR="0" lvl="0" indent="0" algn="ctr" rtl="0">
+              <a:lnSpc>
+                <a:spcPct val="100000"/>
+              </a:lnSpc>
+              <a:spcBef>
+                <a:spcPts val="0"/>
+              </a:spcBef>
+              <a:spcAft>
+                <a:spcPts val="0"/>
+              </a:spcAft>
+              <a:buClr>
+                <a:srgbClr val="00FF00"/>
+              </a:buClr>
+              <a:buSzPct val="25000"/>
+              <a:buFont typeface="Cabin"/>
+              <a:buNone/>
+            </a:pPr>
+            <a:r>
+              <a:rPr lang="en-US" sz="3200" u="none" strike="noStrike" cap="none">
+                <a:solidFill>
+                  <a:srgbClr val="00FF00"/>
+                </a:solidFill>
+                <a:latin typeface="Arial" charset="0"/>
+                <a:ea typeface="Arial" charset="0"/>
+                <a:cs typeface="Arial" charset="0"/>
+                <a:sym typeface="Cabin"/>
+              </a:rPr>
+              <a:t>List</a:t>
+            </a:r>
+          </a:p>
+        </p:txBody>
+      </p:sp>
+      <p:sp>
+        <p:nvSpPr>
+          <p:cNvPr id="290" name="Shape 290"/>
+          <p:cNvSpPr txBox="1"/>
+          <p:nvPr/>
+        </p:nvSpPr>
+        <p:spPr>
+          <a:xfrm>
+            <a:off x="10085391" y="4752921"/>
+            <a:ext cx="2627400" cy="774599"/>
+          </a:xfrm>
+          <a:prstGeom prst="rect">
+            <a:avLst/>
+          </a:prstGeom>
+          <a:noFill/>
+          <a:ln>
+            <a:noFill/>
+          </a:ln>
+        </p:spPr>
+        <p:txBody>
+          <a:bodyPr lIns="0" tIns="0" rIns="0" bIns="0" anchor="ctr" anchorCtr="0">
+            <a:noAutofit/>
+          </a:bodyPr>
+          <a:lstStyle/>
+          <a:p>
+            <a:pPr marL="0" marR="0" lvl="0" indent="0" algn="ctr" rtl="0">
+              <a:lnSpc>
+                <a:spcPct val="100000"/>
+              </a:lnSpc>
+              <a:spcBef>
+                <a:spcPts val="0"/>
+              </a:spcBef>
+              <a:spcAft>
+                <a:spcPts val="0"/>
+              </a:spcAft>
+              <a:buClr>
+                <a:srgbClr val="FF00FF"/>
+              </a:buClr>
+              <a:buSzPct val="25000"/>
+              <a:buFont typeface="Cabin"/>
+              <a:buNone/>
+            </a:pPr>
+            <a:r>
+              <a:rPr lang="en-US" sz="3200" u="none" strike="noStrike" cap="none">
+                <a:solidFill>
+                  <a:srgbClr val="FF00FF"/>
+                </a:solidFill>
+                <a:latin typeface="Arial" charset="0"/>
+                <a:ea typeface="Arial" charset="0"/>
+                <a:cs typeface="Arial" charset="0"/>
+                <a:sym typeface="Cabin"/>
+              </a:rPr>
+              <a:t>Dictionary</a:t>
+            </a:r>
+          </a:p>
+        </p:txBody>
+      </p:sp>
+      <p:cxnSp>
+        <p:nvCxnSpPr>
+          <p:cNvPr id="2" name="Straight Arrow Connector 1">
+            <a:extLst>
+              <a:ext uri="{FF2B5EF4-FFF2-40B4-BE49-F238E27FC236}">
+                <a16:creationId xmlns:a16="http://schemas.microsoft.com/office/drawing/2014/main" id="{7260F200-8BCB-EEF0-5352-DF07FA5E89D9}"/>
+              </a:ext>
+            </a:extLst>
+          </p:cNvPr>
+          <p:cNvCxnSpPr>
+            <a:cxnSpLocks/>
+          </p:cNvCxnSpPr>
+          <p:nvPr/>
+        </p:nvCxnSpPr>
+        <p:spPr>
+          <a:xfrm flipH="1">
+            <a:off x="5581058" y="3300413"/>
+            <a:ext cx="1161055" cy="0"/>
+          </a:xfrm>
+          <a:prstGeom prst="straightConnector1">
+            <a:avLst/>
+          </a:prstGeom>
+          <a:ln w="76200">
+            <a:solidFill>
+              <a:srgbClr val="00FDFF"/>
+            </a:solidFill>
+            <a:tailEnd type="triangle"/>
+          </a:ln>
+        </p:spPr>
+        <p:style>
+          <a:lnRef idx="2">
+            <a:schemeClr val="accent1"/>
+          </a:lnRef>
+          <a:fillRef idx="0">
+            <a:schemeClr val="accent1"/>
+          </a:fillRef>
+          <a:effectRef idx="1">
+            <a:schemeClr val="accent1"/>
+          </a:effectRef>
+          <a:fontRef idx="minor">
+            <a:schemeClr val="tx1"/>
+          </a:fontRef>
+        </p:style>
+      </p:cxnSp>
+      <p:cxnSp>
+        <p:nvCxnSpPr>
+          <p:cNvPr id="4" name="Straight Arrow Connector 3">
+            <a:extLst>
+              <a:ext uri="{FF2B5EF4-FFF2-40B4-BE49-F238E27FC236}">
+                <a16:creationId xmlns:a16="http://schemas.microsoft.com/office/drawing/2014/main" id="{FE3F8AF6-3EA5-7BF3-5510-4DB3FD9ECB91}"/>
+              </a:ext>
+            </a:extLst>
+          </p:cNvPr>
+          <p:cNvCxnSpPr>
+            <a:cxnSpLocks/>
+          </p:cNvCxnSpPr>
+          <p:nvPr/>
+        </p:nvCxnSpPr>
+        <p:spPr>
+          <a:xfrm flipH="1">
+            <a:off x="6433546" y="7196086"/>
+            <a:ext cx="1161055" cy="0"/>
+          </a:xfrm>
+          <a:prstGeom prst="straightConnector1">
+            <a:avLst/>
+          </a:prstGeom>
+          <a:ln w="76200">
+            <a:solidFill>
+              <a:srgbClr val="00FDFF"/>
+            </a:solidFill>
+            <a:tailEnd type="triangle"/>
+          </a:ln>
+        </p:spPr>
+        <p:style>
+          <a:lnRef idx="2">
+            <a:schemeClr val="accent1"/>
+          </a:lnRef>
+          <a:fillRef idx="0">
+            <a:schemeClr val="accent1"/>
+          </a:fillRef>
+          <a:effectRef idx="1">
+            <a:schemeClr val="accent1"/>
+          </a:effectRef>
+          <a:fontRef idx="minor">
+            <a:schemeClr val="tx1"/>
+          </a:fontRef>
+        </p:style>
+      </p:cxnSp>
+    </p:spTree>
+    <p:extLst>
+      <p:ext uri="{BB962C8B-B14F-4D97-AF65-F5344CB8AC3E}">
+        <p14:creationId xmlns:p14="http://schemas.microsoft.com/office/powerpoint/2010/main" val="3216253911"/>
+      </p:ext>
+    </p:extLst>
+  </p:cSld>
+  <p:clrMapOvr>
+    <a:masterClrMapping/>
+  </p:clrMapOvr>
+</p:sld>
+</file>
+
+<file path=ppt/slides/slide13.xml><?xml version="1.0" encoding="utf-8"?>
 <p:sld xmlns:a="http://schemas.openxmlformats.org/drawingml/2006/main" xmlns:r="http://schemas.openxmlformats.org/officeDocument/2006/relationships" xmlns:p="http://schemas.openxmlformats.org/presentationml/2006/main">
   <p:cSld>
     <p:spTree>
